--- a/0 발표용 파워포인트/0327 4차발표/0327 project04 - 파워포인트 - 기범.pptx
+++ b/0 발표용 파워포인트/0327 4차발표/0327 project04 - 파워포인트 - 기범.pptx
@@ -24444,6 +24444,124 @@
           </a:prstGeom>
         </p:spPr>
       </p:pic>
+      <p:sp>
+        <p:nvSpPr>
+          <p:cNvPr id="2" name="직사각형 1"/>
+          <p:cNvSpPr/>
+          <p:nvPr/>
+        </p:nvSpPr>
+        <p:spPr>
+          <a:xfrm>
+            <a:off x="526093" y="1102290"/>
+            <a:ext cx="1390389" cy="1490598"/>
+          </a:xfrm>
+          <a:prstGeom prst="rect">
+            <a:avLst/>
+          </a:prstGeom>
+          <a:noFill/>
+          <a:ln w="25400">
+            <a:solidFill>
+              <a:srgbClr val="FF0000"/>
+            </a:solidFill>
+          </a:ln>
+        </p:spPr>
+        <p:style>
+          <a:lnRef idx="2">
+            <a:schemeClr val="accent1">
+              <a:shade val="50000"/>
+            </a:schemeClr>
+          </a:lnRef>
+          <a:fillRef idx="1">
+            <a:schemeClr val="accent1"/>
+          </a:fillRef>
+          <a:effectRef idx="0">
+            <a:schemeClr val="accent1"/>
+          </a:effectRef>
+          <a:fontRef idx="minor">
+            <a:schemeClr val="lt1"/>
+          </a:fontRef>
+        </p:style>
+        <p:txBody>
+          <a:bodyPr rtlCol="0" anchor="ctr"/>
+          <a:lstStyle/>
+          <a:p>
+            <a:pPr algn="ctr"/>
+            <a:endParaRPr lang="ko-KR" altLang="en-US"/>
+          </a:p>
+        </p:txBody>
+      </p:sp>
+      <p:pic>
+        <p:nvPicPr>
+          <p:cNvPr id="8" name="그림 7"/>
+          <p:cNvPicPr>
+            <a:picLocks noChangeAspect="1"/>
+          </p:cNvPicPr>
+          <p:nvPr/>
+        </p:nvPicPr>
+        <p:blipFill>
+          <a:blip r:embed="rId6"/>
+          <a:stretch>
+            <a:fillRect/>
+          </a:stretch>
+        </p:blipFill>
+        <p:spPr>
+          <a:xfrm>
+            <a:off x="1257936" y="258731"/>
+            <a:ext cx="7571216" cy="1708707"/>
+          </a:xfrm>
+          <a:prstGeom prst="rect">
+            <a:avLst/>
+          </a:prstGeom>
+        </p:spPr>
+      </p:pic>
+      <p:pic>
+        <p:nvPicPr>
+          <p:cNvPr id="9" name="그림 8"/>
+          <p:cNvPicPr>
+            <a:picLocks noChangeAspect="1"/>
+          </p:cNvPicPr>
+          <p:nvPr/>
+        </p:nvPicPr>
+        <p:blipFill>
+          <a:blip r:embed="rId7"/>
+          <a:stretch>
+            <a:fillRect/>
+          </a:stretch>
+        </p:blipFill>
+        <p:spPr>
+          <a:xfrm>
+            <a:off x="6371866" y="2856652"/>
+            <a:ext cx="6153150" cy="1724025"/>
+          </a:xfrm>
+          <a:prstGeom prst="rect">
+            <a:avLst/>
+          </a:prstGeom>
+        </p:spPr>
+      </p:pic>
+      <p:pic>
+        <p:nvPicPr>
+          <p:cNvPr id="10" name="그림 9"/>
+          <p:cNvPicPr>
+            <a:picLocks noChangeAspect="1"/>
+          </p:cNvPicPr>
+          <p:nvPr/>
+        </p:nvPicPr>
+        <p:blipFill>
+          <a:blip r:embed="rId8"/>
+          <a:stretch>
+            <a:fillRect/>
+          </a:stretch>
+        </p:blipFill>
+        <p:spPr>
+          <a:xfrm>
+            <a:off x="1009796" y="1847589"/>
+            <a:ext cx="5324475" cy="4895850"/>
+          </a:xfrm>
+          <a:prstGeom prst="rect">
+            <a:avLst/>
+          </a:prstGeom>
+        </p:spPr>
+      </p:pic>
     </p:spTree>
     <p:extLst>
       <p:ext uri="{BB962C8B-B14F-4D97-AF65-F5344CB8AC3E}">
@@ -24457,9 +24575,215 @@
   <p:timing>
     <p:tnLst>
       <p:par>
-        <p:cTn id="1" dur="indefinite" restart="never" nodeType="tmRoot"/>
+        <p:cTn id="1" dur="indefinite" restart="never" nodeType="tmRoot">
+          <p:childTnLst>
+            <p:seq concurrent="1" nextAc="seek">
+              <p:cTn id="2" dur="indefinite" nodeType="mainSeq">
+                <p:childTnLst>
+                  <p:par>
+                    <p:cTn id="3" fill="hold">
+                      <p:stCondLst>
+                        <p:cond delay="indefinite"/>
+                      </p:stCondLst>
+                      <p:childTnLst>
+                        <p:par>
+                          <p:cTn id="4" fill="hold">
+                            <p:stCondLst>
+                              <p:cond delay="0"/>
+                            </p:stCondLst>
+                            <p:childTnLst>
+                              <p:par>
+                                <p:cTn id="5" presetID="1" presetClass="entr" presetSubtype="0" fill="hold" grpId="0" nodeType="clickEffect">
+                                  <p:stCondLst>
+                                    <p:cond delay="0"/>
+                                  </p:stCondLst>
+                                  <p:childTnLst>
+                                    <p:set>
+                                      <p:cBhvr>
+                                        <p:cTn id="6" dur="1" fill="hold">
+                                          <p:stCondLst>
+                                            <p:cond delay="0"/>
+                                          </p:stCondLst>
+                                        </p:cTn>
+                                        <p:tgtEl>
+                                          <p:spTgt spid="2"/>
+                                        </p:tgtEl>
+                                        <p:attrNameLst>
+                                          <p:attrName>style.visibility</p:attrName>
+                                        </p:attrNameLst>
+                                      </p:cBhvr>
+                                      <p:to>
+                                        <p:strVal val="visible"/>
+                                      </p:to>
+                                    </p:set>
+                                  </p:childTnLst>
+                                </p:cTn>
+                              </p:par>
+                            </p:childTnLst>
+                          </p:cTn>
+                        </p:par>
+                      </p:childTnLst>
+                    </p:cTn>
+                  </p:par>
+                  <p:par>
+                    <p:cTn id="7" fill="hold">
+                      <p:stCondLst>
+                        <p:cond delay="indefinite"/>
+                      </p:stCondLst>
+                      <p:childTnLst>
+                        <p:par>
+                          <p:cTn id="8" fill="hold">
+                            <p:stCondLst>
+                              <p:cond delay="0"/>
+                            </p:stCondLst>
+                            <p:childTnLst>
+                              <p:par>
+                                <p:cTn id="9" presetID="1" presetClass="entr" presetSubtype="0" fill="hold" nodeType="clickEffect">
+                                  <p:stCondLst>
+                                    <p:cond delay="0"/>
+                                  </p:stCondLst>
+                                  <p:childTnLst>
+                                    <p:set>
+                                      <p:cBhvr>
+                                        <p:cTn id="10" dur="1" fill="hold">
+                                          <p:stCondLst>
+                                            <p:cond delay="0"/>
+                                          </p:stCondLst>
+                                        </p:cTn>
+                                        <p:tgtEl>
+                                          <p:spTgt spid="9"/>
+                                        </p:tgtEl>
+                                        <p:attrNameLst>
+                                          <p:attrName>style.visibility</p:attrName>
+                                        </p:attrNameLst>
+                                      </p:cBhvr>
+                                      <p:to>
+                                        <p:strVal val="visible"/>
+                                      </p:to>
+                                    </p:set>
+                                  </p:childTnLst>
+                                </p:cTn>
+                              </p:par>
+                            </p:childTnLst>
+                          </p:cTn>
+                        </p:par>
+                      </p:childTnLst>
+                    </p:cTn>
+                  </p:par>
+                  <p:par>
+                    <p:cTn id="11" fill="hold">
+                      <p:stCondLst>
+                        <p:cond delay="indefinite"/>
+                      </p:stCondLst>
+                      <p:childTnLst>
+                        <p:par>
+                          <p:cTn id="12" fill="hold">
+                            <p:stCondLst>
+                              <p:cond delay="0"/>
+                            </p:stCondLst>
+                            <p:childTnLst>
+                              <p:par>
+                                <p:cTn id="13" presetID="1" presetClass="entr" presetSubtype="0" fill="hold" nodeType="clickEffect">
+                                  <p:stCondLst>
+                                    <p:cond delay="0"/>
+                                  </p:stCondLst>
+                                  <p:childTnLst>
+                                    <p:set>
+                                      <p:cBhvr>
+                                        <p:cTn id="14" dur="1" fill="hold">
+                                          <p:stCondLst>
+                                            <p:cond delay="0"/>
+                                          </p:stCondLst>
+                                        </p:cTn>
+                                        <p:tgtEl>
+                                          <p:spTgt spid="10"/>
+                                        </p:tgtEl>
+                                        <p:attrNameLst>
+                                          <p:attrName>style.visibility</p:attrName>
+                                        </p:attrNameLst>
+                                      </p:cBhvr>
+                                      <p:to>
+                                        <p:strVal val="visible"/>
+                                      </p:to>
+                                    </p:set>
+                                  </p:childTnLst>
+                                </p:cTn>
+                              </p:par>
+                            </p:childTnLst>
+                          </p:cTn>
+                        </p:par>
+                      </p:childTnLst>
+                    </p:cTn>
+                  </p:par>
+                  <p:par>
+                    <p:cTn id="15" fill="hold">
+                      <p:stCondLst>
+                        <p:cond delay="indefinite"/>
+                      </p:stCondLst>
+                      <p:childTnLst>
+                        <p:par>
+                          <p:cTn id="16" fill="hold">
+                            <p:stCondLst>
+                              <p:cond delay="0"/>
+                            </p:stCondLst>
+                            <p:childTnLst>
+                              <p:par>
+                                <p:cTn id="17" presetID="1" presetClass="entr" presetSubtype="0" fill="hold" nodeType="clickEffect">
+                                  <p:stCondLst>
+                                    <p:cond delay="0"/>
+                                  </p:stCondLst>
+                                  <p:childTnLst>
+                                    <p:set>
+                                      <p:cBhvr>
+                                        <p:cTn id="18" dur="1" fill="hold">
+                                          <p:stCondLst>
+                                            <p:cond delay="0"/>
+                                          </p:stCondLst>
+                                        </p:cTn>
+                                        <p:tgtEl>
+                                          <p:spTgt spid="8"/>
+                                        </p:tgtEl>
+                                        <p:attrNameLst>
+                                          <p:attrName>style.visibility</p:attrName>
+                                        </p:attrNameLst>
+                                      </p:cBhvr>
+                                      <p:to>
+                                        <p:strVal val="visible"/>
+                                      </p:to>
+                                    </p:set>
+                                  </p:childTnLst>
+                                </p:cTn>
+                              </p:par>
+                            </p:childTnLst>
+                          </p:cTn>
+                        </p:par>
+                      </p:childTnLst>
+                    </p:cTn>
+                  </p:par>
+                </p:childTnLst>
+              </p:cTn>
+              <p:prevCondLst>
+                <p:cond evt="onPrev" delay="0">
+                  <p:tgtEl>
+                    <p:sldTgt/>
+                  </p:tgtEl>
+                </p:cond>
+              </p:prevCondLst>
+              <p:nextCondLst>
+                <p:cond evt="onNext" delay="0">
+                  <p:tgtEl>
+                    <p:sldTgt/>
+                  </p:tgtEl>
+                </p:cond>
+              </p:nextCondLst>
+            </p:seq>
+          </p:childTnLst>
+        </p:cTn>
       </p:par>
     </p:tnLst>
+    <p:bldLst>
+      <p:bldP spid="2" grpId="0" animBg="1"/>
+    </p:bldLst>
   </p:timing>
 </p:sld>
 </file>
@@ -27152,6 +27476,54 @@
           </a:prstGeom>
         </p:spPr>
       </p:pic>
+      <p:pic>
+        <p:nvPicPr>
+          <p:cNvPr id="7" name="그림 6"/>
+          <p:cNvPicPr>
+            <a:picLocks noChangeAspect="1"/>
+          </p:cNvPicPr>
+          <p:nvPr/>
+        </p:nvPicPr>
+        <p:blipFill>
+          <a:blip r:embed="rId5"/>
+          <a:stretch>
+            <a:fillRect/>
+          </a:stretch>
+        </p:blipFill>
+        <p:spPr>
+          <a:xfrm>
+            <a:off x="128672" y="457491"/>
+            <a:ext cx="7467600" cy="704850"/>
+          </a:xfrm>
+          <a:prstGeom prst="rect">
+            <a:avLst/>
+          </a:prstGeom>
+        </p:spPr>
+      </p:pic>
+      <p:pic>
+        <p:nvPicPr>
+          <p:cNvPr id="8" name="그림 7"/>
+          <p:cNvPicPr>
+            <a:picLocks noChangeAspect="1"/>
+          </p:cNvPicPr>
+          <p:nvPr/>
+        </p:nvPicPr>
+        <p:blipFill>
+          <a:blip r:embed="rId6"/>
+          <a:stretch>
+            <a:fillRect/>
+          </a:stretch>
+        </p:blipFill>
+        <p:spPr>
+          <a:xfrm>
+            <a:off x="128672" y="1932064"/>
+            <a:ext cx="7534275" cy="4381500"/>
+          </a:xfrm>
+          <a:prstGeom prst="rect">
+            <a:avLst/>
+          </a:prstGeom>
+        </p:spPr>
+      </p:pic>
     </p:spTree>
     <p:extLst>
       <p:ext uri="{BB962C8B-B14F-4D97-AF65-F5344CB8AC3E}">
@@ -27165,7 +27537,210 @@
   <p:timing>
     <p:tnLst>
       <p:par>
-        <p:cTn id="1" dur="indefinite" restart="never" nodeType="tmRoot"/>
+        <p:cTn id="1" dur="indefinite" restart="never" nodeType="tmRoot">
+          <p:childTnLst>
+            <p:seq concurrent="1" nextAc="seek">
+              <p:cTn id="2" dur="indefinite" nodeType="mainSeq">
+                <p:childTnLst>
+                  <p:par>
+                    <p:cTn id="3" fill="hold">
+                      <p:stCondLst>
+                        <p:cond delay="indefinite"/>
+                      </p:stCondLst>
+                      <p:childTnLst>
+                        <p:par>
+                          <p:cTn id="4" fill="hold">
+                            <p:stCondLst>
+                              <p:cond delay="0"/>
+                            </p:stCondLst>
+                            <p:childTnLst>
+                              <p:par>
+                                <p:cTn id="5" presetID="1" presetClass="entr" presetSubtype="0" fill="hold" nodeType="clickEffect">
+                                  <p:stCondLst>
+                                    <p:cond delay="0"/>
+                                  </p:stCondLst>
+                                  <p:childTnLst>
+                                    <p:set>
+                                      <p:cBhvr>
+                                        <p:cTn id="6" dur="1" fill="hold">
+                                          <p:stCondLst>
+                                            <p:cond delay="0"/>
+                                          </p:stCondLst>
+                                        </p:cTn>
+                                        <p:tgtEl>
+                                          <p:spTgt spid="7"/>
+                                        </p:tgtEl>
+                                        <p:attrNameLst>
+                                          <p:attrName>style.visibility</p:attrName>
+                                        </p:attrNameLst>
+                                      </p:cBhvr>
+                                      <p:to>
+                                        <p:strVal val="visible"/>
+                                      </p:to>
+                                    </p:set>
+                                  </p:childTnLst>
+                                </p:cTn>
+                              </p:par>
+                            </p:childTnLst>
+                          </p:cTn>
+                        </p:par>
+                      </p:childTnLst>
+                    </p:cTn>
+                  </p:par>
+                  <p:par>
+                    <p:cTn id="7" fill="hold">
+                      <p:stCondLst>
+                        <p:cond delay="indefinite"/>
+                      </p:stCondLst>
+                      <p:childTnLst>
+                        <p:par>
+                          <p:cTn id="8" fill="hold">
+                            <p:stCondLst>
+                              <p:cond delay="0"/>
+                            </p:stCondLst>
+                            <p:childTnLst>
+                              <p:par>
+                                <p:cTn id="9" presetID="1" presetClass="entr" presetSubtype="0" fill="hold" nodeType="clickEffect">
+                                  <p:stCondLst>
+                                    <p:cond delay="0"/>
+                                  </p:stCondLst>
+                                  <p:childTnLst>
+                                    <p:set>
+                                      <p:cBhvr>
+                                        <p:cTn id="10" dur="1" fill="hold">
+                                          <p:stCondLst>
+                                            <p:cond delay="0"/>
+                                          </p:stCondLst>
+                                        </p:cTn>
+                                        <p:tgtEl>
+                                          <p:spTgt spid="8"/>
+                                        </p:tgtEl>
+                                        <p:attrNameLst>
+                                          <p:attrName>style.visibility</p:attrName>
+                                        </p:attrNameLst>
+                                      </p:cBhvr>
+                                      <p:to>
+                                        <p:strVal val="visible"/>
+                                      </p:to>
+                                    </p:set>
+                                  </p:childTnLst>
+                                </p:cTn>
+                              </p:par>
+                            </p:childTnLst>
+                          </p:cTn>
+                        </p:par>
+                      </p:childTnLst>
+                    </p:cTn>
+                  </p:par>
+                  <p:par>
+                    <p:cTn id="11" fill="hold">
+                      <p:stCondLst>
+                        <p:cond delay="indefinite"/>
+                      </p:stCondLst>
+                      <p:childTnLst>
+                        <p:par>
+                          <p:cTn id="12" fill="hold">
+                            <p:stCondLst>
+                              <p:cond delay="0"/>
+                            </p:stCondLst>
+                            <p:childTnLst>
+                              <p:par>
+                                <p:cTn id="13" presetID="1" presetClass="entr" presetSubtype="0" fill="hold" nodeType="clickEffect">
+                                  <p:stCondLst>
+                                    <p:cond delay="0"/>
+                                  </p:stCondLst>
+                                  <p:childTnLst>
+                                    <p:set>
+                                      <p:cBhvr>
+                                        <p:cTn id="14" dur="1" fill="hold">
+                                          <p:stCondLst>
+                                            <p:cond delay="0"/>
+                                          </p:stCondLst>
+                                        </p:cTn>
+                                        <p:tgtEl>
+                                          <p:spTgt spid="5"/>
+                                        </p:tgtEl>
+                                        <p:attrNameLst>
+                                          <p:attrName>style.visibility</p:attrName>
+                                        </p:attrNameLst>
+                                      </p:cBhvr>
+                                      <p:to>
+                                        <p:strVal val="visible"/>
+                                      </p:to>
+                                    </p:set>
+                                  </p:childTnLst>
+                                </p:cTn>
+                              </p:par>
+                            </p:childTnLst>
+                          </p:cTn>
+                        </p:par>
+                      </p:childTnLst>
+                    </p:cTn>
+                  </p:par>
+                  <p:par>
+                    <p:cTn id="15" fill="hold">
+                      <p:stCondLst>
+                        <p:cond delay="indefinite"/>
+                      </p:stCondLst>
+                      <p:childTnLst>
+                        <p:par>
+                          <p:cTn id="16" fill="hold">
+                            <p:stCondLst>
+                              <p:cond delay="0"/>
+                            </p:stCondLst>
+                            <p:childTnLst>
+                              <p:par>
+                                <p:cTn id="17" presetID="1" presetClass="entr" presetSubtype="0" fill="hold" nodeType="clickEffect">
+                                  <p:stCondLst>
+                                    <p:cond delay="0"/>
+                                  </p:stCondLst>
+                                  <p:childTnLst>
+                                    <p:set>
+                                      <p:cBhvr>
+                                        <p:cTn id="18" dur="1" fill="hold">
+                                          <p:stCondLst>
+                                            <p:cond delay="0"/>
+                                          </p:stCondLst>
+                                        </p:cTn>
+                                        <p:tgtEl>
+                                          <p:spTgt spid="6"/>
+                                        </p:tgtEl>
+                                        <p:attrNameLst>
+                                          <p:attrName>style.visibility</p:attrName>
+                                        </p:attrNameLst>
+                                      </p:cBhvr>
+                                      <p:to>
+                                        <p:strVal val="visible"/>
+                                      </p:to>
+                                    </p:set>
+                                  </p:childTnLst>
+                                </p:cTn>
+                              </p:par>
+                            </p:childTnLst>
+                          </p:cTn>
+                        </p:par>
+                      </p:childTnLst>
+                    </p:cTn>
+                  </p:par>
+                </p:childTnLst>
+              </p:cTn>
+              <p:prevCondLst>
+                <p:cond evt="onPrev" delay="0">
+                  <p:tgtEl>
+                    <p:sldTgt/>
+                  </p:tgtEl>
+                </p:cond>
+              </p:prevCondLst>
+              <p:nextCondLst>
+                <p:cond evt="onNext" delay="0">
+                  <p:tgtEl>
+                    <p:sldTgt/>
+                  </p:tgtEl>
+                </p:cond>
+              </p:nextCondLst>
+            </p:seq>
+          </p:childTnLst>
+        </p:cTn>
       </p:par>
     </p:tnLst>
   </p:timing>

--- a/0 발표용 파워포인트/0327 4차발표/0327 project04 - 파워포인트 - 기범.pptx
+++ b/0 발표용 파워포인트/0327 4차발표/0327 project04 - 파워포인트 - 기범.pptx
@@ -5,7 +5,7 @@
     <p:sldMasterId id="2147483648" r:id="rId1"/>
   </p:sldMasterIdLst>
   <p:notesMasterIdLst>
-    <p:notesMasterId r:id="rId22"/>
+    <p:notesMasterId r:id="rId24"/>
   </p:notesMasterIdLst>
   <p:sldIdLst>
     <p:sldId id="256" r:id="rId2"/>
@@ -26,8 +26,10 @@
     <p:sldId id="273" r:id="rId17"/>
     <p:sldId id="275" r:id="rId18"/>
     <p:sldId id="274" r:id="rId19"/>
-    <p:sldId id="277" r:id="rId20"/>
-    <p:sldId id="276" r:id="rId21"/>
+    <p:sldId id="278" r:id="rId20"/>
+    <p:sldId id="279" r:id="rId21"/>
+    <p:sldId id="277" r:id="rId22"/>
+    <p:sldId id="276" r:id="rId23"/>
   </p:sldIdLst>
   <p:sldSz cx="12192000" cy="6858000"/>
   <p:notesSz cx="6858000" cy="9144000"/>
@@ -227,7 +229,7 @@
           <a:p>
             <a:fld id="{EFE7F2A0-C7D9-4DBD-AE3B-C1A712DCE501}" type="datetimeFigureOut">
               <a:rPr lang="ko-KR" altLang="en-US" smtClean="0"/>
-              <a:t>2020-03-26</a:t>
+              <a:t>2020-03-27</a:t>
             </a:fld>
             <a:endParaRPr lang="ko-KR" altLang="en-US"/>
           </a:p>
@@ -613,6 +615,133 @@
     <p:extLst>
       <p:ext uri="{BB962C8B-B14F-4D97-AF65-F5344CB8AC3E}">
         <p14:creationId xmlns:p14="http://schemas.microsoft.com/office/powerpoint/2010/main" val="2749414868"/>
+      </p:ext>
+    </p:extLst>
+  </p:cSld>
+  <p:clrMapOvr>
+    <a:masterClrMapping/>
+  </p:clrMapOvr>
+</p:notes>
+</file>
+
+<file path=ppt/notesSlides/notesSlide10.xml><?xml version="1.0" encoding="utf-8"?>
+<p:notes xmlns:a="http://schemas.openxmlformats.org/drawingml/2006/main" xmlns:r="http://schemas.openxmlformats.org/officeDocument/2006/relationships" xmlns:p="http://schemas.openxmlformats.org/presentationml/2006/main" showMasterSp="0" showMasterPhAnim="0">
+  <p:cSld>
+    <p:spTree>
+      <p:nvGrpSpPr>
+        <p:cNvPr id="1" name="Shape 160"/>
+        <p:cNvGrpSpPr/>
+        <p:nvPr/>
+      </p:nvGrpSpPr>
+      <p:grpSpPr>
+        <a:xfrm>
+          <a:off x="0" y="0"/>
+          <a:ext cx="0" cy="0"/>
+          <a:chOff x="0" y="0"/>
+          <a:chExt cx="0" cy="0"/>
+        </a:xfrm>
+      </p:grpSpPr>
+      <p:sp>
+        <p:nvSpPr>
+          <p:cNvPr id="161" name="Google Shape;161;g7c553259d1_0_81:notes"/>
+          <p:cNvSpPr txBox="1">
+            <a:spLocks noGrp="1"/>
+          </p:cNvSpPr>
+          <p:nvPr>
+            <p:ph type="body" idx="1"/>
+          </p:nvPr>
+        </p:nvSpPr>
+        <p:spPr>
+          <a:xfrm>
+            <a:off x="685800" y="4343400"/>
+            <a:ext cx="5486400" cy="4114800"/>
+          </a:xfrm>
+          <a:prstGeom prst="rect">
+            <a:avLst/>
+          </a:prstGeom>
+          <a:noFill/>
+          <a:ln>
+            <a:noFill/>
+          </a:ln>
+        </p:spPr>
+        <p:txBody>
+          <a:bodyPr spcFirstLastPara="1" wrap="square" lIns="91425" tIns="91425" rIns="91425" bIns="91425" anchor="t" anchorCtr="0">
+            <a:noAutofit/>
+          </a:bodyPr>
+          <a:lstStyle/>
+          <a:p>
+            <a:pPr marL="0" lvl="0" indent="0" algn="l" rtl="0">
+              <a:lnSpc>
+                <a:spcPct val="100000"/>
+              </a:lnSpc>
+              <a:spcBef>
+                <a:spcPts val="0"/>
+              </a:spcBef>
+              <a:spcAft>
+                <a:spcPts val="0"/>
+              </a:spcAft>
+              <a:buSzPts val="1100"/>
+              <a:buNone/>
+            </a:pPr>
+            <a:endParaRPr/>
+          </a:p>
+        </p:txBody>
+      </p:sp>
+      <p:sp>
+        <p:nvSpPr>
+          <p:cNvPr id="162" name="Google Shape;162;g7c553259d1_0_81:notes"/>
+          <p:cNvSpPr>
+            <a:spLocks noGrp="1" noRot="1" noChangeAspect="1"/>
+          </p:cNvSpPr>
+          <p:nvPr>
+            <p:ph type="sldImg" idx="2"/>
+          </p:nvPr>
+        </p:nvSpPr>
+        <p:spPr>
+          <a:xfrm>
+            <a:off x="381000" y="685800"/>
+            <a:ext cx="6096000" cy="3429000"/>
+          </a:xfrm>
+          <a:custGeom>
+            <a:avLst/>
+            <a:gdLst/>
+            <a:ahLst/>
+            <a:cxnLst/>
+            <a:rect l="l" t="t" r="r" b="b"/>
+            <a:pathLst>
+              <a:path w="120000" h="120000" extrusionOk="0">
+                <a:moveTo>
+                  <a:pt x="0" y="0"/>
+                </a:moveTo>
+                <a:lnTo>
+                  <a:pt x="120000" y="0"/>
+                </a:lnTo>
+                <a:lnTo>
+                  <a:pt x="120000" y="120000"/>
+                </a:lnTo>
+                <a:lnTo>
+                  <a:pt x="0" y="120000"/>
+                </a:lnTo>
+                <a:close/>
+              </a:path>
+            </a:pathLst>
+          </a:custGeom>
+          <a:noFill/>
+          <a:ln w="9525" cap="flat" cmpd="sng">
+            <a:solidFill>
+              <a:srgbClr val="000000"/>
+            </a:solidFill>
+            <a:prstDash val="solid"/>
+            <a:round/>
+            <a:headEnd type="none" w="sm" len="sm"/>
+            <a:tailEnd type="none" w="sm" len="sm"/>
+          </a:ln>
+        </p:spPr>
+      </p:sp>
+    </p:spTree>
+    <p:extLst>
+      <p:ext uri="{BB962C8B-B14F-4D97-AF65-F5344CB8AC3E}">
+        <p14:creationId xmlns:p14="http://schemas.microsoft.com/office/powerpoint/2010/main" val="4270744506"/>
       </p:ext>
     </p:extLst>
   </p:cSld>
@@ -1628,7 +1757,7 @@
     </p:spTree>
     <p:extLst>
       <p:ext uri="{BB962C8B-B14F-4D97-AF65-F5344CB8AC3E}">
-        <p14:creationId xmlns:p14="http://schemas.microsoft.com/office/powerpoint/2010/main" val="4270744506"/>
+        <p14:creationId xmlns:p14="http://schemas.microsoft.com/office/powerpoint/2010/main" val="3925780355"/>
       </p:ext>
     </p:extLst>
   </p:cSld>
@@ -1769,7 +1898,7 @@
           <a:p>
             <a:fld id="{272C3D53-FEDF-49EC-8F65-FFFC138B637E}" type="datetimeFigureOut">
               <a:rPr lang="ko-KR" altLang="en-US" smtClean="0"/>
-              <a:t>2020-03-26</a:t>
+              <a:t>2020-03-27</a:t>
             </a:fld>
             <a:endParaRPr lang="ko-KR" altLang="en-US"/>
           </a:p>
@@ -1939,7 +2068,7 @@
           <a:p>
             <a:fld id="{272C3D53-FEDF-49EC-8F65-FFFC138B637E}" type="datetimeFigureOut">
               <a:rPr lang="ko-KR" altLang="en-US" smtClean="0"/>
-              <a:t>2020-03-26</a:t>
+              <a:t>2020-03-27</a:t>
             </a:fld>
             <a:endParaRPr lang="ko-KR" altLang="en-US"/>
           </a:p>
@@ -2119,7 +2248,7 @@
           <a:p>
             <a:fld id="{272C3D53-FEDF-49EC-8F65-FFFC138B637E}" type="datetimeFigureOut">
               <a:rPr lang="ko-KR" altLang="en-US" smtClean="0"/>
-              <a:t>2020-03-26</a:t>
+              <a:t>2020-03-27</a:t>
             </a:fld>
             <a:endParaRPr lang="ko-KR" altLang="en-US"/>
           </a:p>
@@ -2289,7 +2418,7 @@
           <a:p>
             <a:fld id="{272C3D53-FEDF-49EC-8F65-FFFC138B637E}" type="datetimeFigureOut">
               <a:rPr lang="ko-KR" altLang="en-US" smtClean="0"/>
-              <a:t>2020-03-26</a:t>
+              <a:t>2020-03-27</a:t>
             </a:fld>
             <a:endParaRPr lang="ko-KR" altLang="en-US"/>
           </a:p>
@@ -2535,7 +2664,7 @@
           <a:p>
             <a:fld id="{272C3D53-FEDF-49EC-8F65-FFFC138B637E}" type="datetimeFigureOut">
               <a:rPr lang="ko-KR" altLang="en-US" smtClean="0"/>
-              <a:t>2020-03-26</a:t>
+              <a:t>2020-03-27</a:t>
             </a:fld>
             <a:endParaRPr lang="ko-KR" altLang="en-US"/>
           </a:p>
@@ -2767,7 +2896,7 @@
           <a:p>
             <a:fld id="{272C3D53-FEDF-49EC-8F65-FFFC138B637E}" type="datetimeFigureOut">
               <a:rPr lang="ko-KR" altLang="en-US" smtClean="0"/>
-              <a:t>2020-03-26</a:t>
+              <a:t>2020-03-27</a:t>
             </a:fld>
             <a:endParaRPr lang="ko-KR" altLang="en-US"/>
           </a:p>
@@ -3134,7 +3263,7 @@
           <a:p>
             <a:fld id="{272C3D53-FEDF-49EC-8F65-FFFC138B637E}" type="datetimeFigureOut">
               <a:rPr lang="ko-KR" altLang="en-US" smtClean="0"/>
-              <a:t>2020-03-26</a:t>
+              <a:t>2020-03-27</a:t>
             </a:fld>
             <a:endParaRPr lang="ko-KR" altLang="en-US"/>
           </a:p>
@@ -3252,7 +3381,7 @@
           <a:p>
             <a:fld id="{272C3D53-FEDF-49EC-8F65-FFFC138B637E}" type="datetimeFigureOut">
               <a:rPr lang="ko-KR" altLang="en-US" smtClean="0"/>
-              <a:t>2020-03-26</a:t>
+              <a:t>2020-03-27</a:t>
             </a:fld>
             <a:endParaRPr lang="ko-KR" altLang="en-US"/>
           </a:p>
@@ -3347,7 +3476,7 @@
           <a:p>
             <a:fld id="{272C3D53-FEDF-49EC-8F65-FFFC138B637E}" type="datetimeFigureOut">
               <a:rPr lang="ko-KR" altLang="en-US" smtClean="0"/>
-              <a:t>2020-03-26</a:t>
+              <a:t>2020-03-27</a:t>
             </a:fld>
             <a:endParaRPr lang="ko-KR" altLang="en-US"/>
           </a:p>
@@ -3624,7 +3753,7 @@
           <a:p>
             <a:fld id="{272C3D53-FEDF-49EC-8F65-FFFC138B637E}" type="datetimeFigureOut">
               <a:rPr lang="ko-KR" altLang="en-US" smtClean="0"/>
-              <a:t>2020-03-26</a:t>
+              <a:t>2020-03-27</a:t>
             </a:fld>
             <a:endParaRPr lang="ko-KR" altLang="en-US"/>
           </a:p>
@@ -3877,7 +4006,7 @@
           <a:p>
             <a:fld id="{272C3D53-FEDF-49EC-8F65-FFFC138B637E}" type="datetimeFigureOut">
               <a:rPr lang="ko-KR" altLang="en-US" smtClean="0"/>
-              <a:t>2020-03-26</a:t>
+              <a:t>2020-03-27</a:t>
             </a:fld>
             <a:endParaRPr lang="ko-KR" altLang="en-US"/>
           </a:p>
@@ -4090,7 +4219,7 @@
           <a:p>
             <a:fld id="{272C3D53-FEDF-49EC-8F65-FFFC138B637E}" type="datetimeFigureOut">
               <a:rPr lang="ko-KR" altLang="en-US" smtClean="0"/>
-              <a:t>2020-03-26</a:t>
+              <a:t>2020-03-27</a:t>
             </a:fld>
             <a:endParaRPr lang="ko-KR" altLang="en-US"/>
           </a:p>
@@ -16276,7 +16405,7 @@
                             <a:schemeClr val="dk1"/>
                           </a:solidFill>
                         </a:rPr>
-                        <a:t>user_w_kb_EMoneyDetail</a:t>
+                        <a:t>user_w_kb_EMoneyWIthdraw</a:t>
                       </a:r>
                       <a:endParaRPr sz="1500" b="0" u="none" strike="noStrike" cap="none" dirty="0">
                         <a:solidFill>
@@ -16444,23 +16573,7 @@
                             <a:schemeClr val="dk1"/>
                           </a:solidFill>
                         </a:rPr>
-                        <a:t>머니 충전</a:t>
-                      </a:r>
-                      <a:r>
-                        <a:rPr lang="en-US" altLang="ko-KR" sz="1500" b="0" u="none" strike="noStrike" cap="none" dirty="0" smtClean="0">
-                          <a:solidFill>
-                            <a:schemeClr val="dk1"/>
-                          </a:solidFill>
-                        </a:rPr>
-                        <a:t>/</a:t>
-                      </a:r>
-                      <a:r>
-                        <a:rPr lang="ko-KR" altLang="en-US" sz="1500" b="0" u="none" strike="noStrike" cap="none" dirty="0" smtClean="0">
-                          <a:solidFill>
-                            <a:schemeClr val="dk1"/>
-                          </a:solidFill>
-                        </a:rPr>
-                        <a:t>출금내역</a:t>
+                        <a:t>머니 출금</a:t>
                       </a:r>
                       <a:endParaRPr sz="1500" b="0" u="none" strike="noStrike" cap="none" dirty="0">
                         <a:solidFill>
@@ -17023,7 +17136,7 @@
         </p:nvGraphicFramePr>
         <p:xfrm>
           <a:off x="8509686" y="1289960"/>
-          <a:ext cx="3532000" cy="5110101"/>
+          <a:ext cx="3532000" cy="4480681"/>
         </p:xfrm>
         <a:graphic>
           <a:graphicData uri="http://schemas.openxmlformats.org/drawingml/2006/table">
@@ -17035,7 +17148,7 @@
                 <a:gridCol w="382900"/>
                 <a:gridCol w="3149100"/>
               </a:tblGrid>
-              <a:tr h="320262">
+              <a:tr h="255151">
                 <a:tc>
                   <a:txBody>
                     <a:bodyPr/>
@@ -17187,7 +17300,7 @@
                   </a:tcPr>
                 </a:tc>
               </a:tr>
-              <a:tr h="874414">
+              <a:tr h="696640">
                 <a:tc>
                   <a:txBody>
                     <a:bodyPr/>
@@ -17287,81 +17400,9 @@
                             <a:schemeClr val="dk1"/>
                           </a:solidFill>
                         </a:rPr>
-                        <a:t>충전한 </a:t>
+                        <a:t>금액 버튼 누르면 해당 금액이 출 금액에 나타나게 함</a:t>
                       </a:r>
-                      <a:r>
-                        <a:rPr lang="en-US" altLang="ko-KR" sz="1500" b="0" u="none" strike="noStrike" cap="none" dirty="0" smtClean="0">
-                          <a:solidFill>
-                            <a:schemeClr val="dk1"/>
-                          </a:solidFill>
-                        </a:rPr>
-                        <a:t>E</a:t>
-                      </a:r>
-                      <a:r>
-                        <a:rPr lang="ko-KR" altLang="en-US" sz="1500" b="0" u="none" strike="noStrike" cap="none" dirty="0" err="1" smtClean="0">
-                          <a:solidFill>
-                            <a:schemeClr val="dk1"/>
-                          </a:solidFill>
-                        </a:rPr>
-                        <a:t>머니와</a:t>
-                      </a:r>
-                      <a:r>
-                        <a:rPr lang="ko-KR" altLang="en-US" sz="1500" b="0" u="none" strike="noStrike" cap="none" dirty="0" smtClean="0">
-                          <a:solidFill>
-                            <a:schemeClr val="dk1"/>
-                          </a:solidFill>
-                        </a:rPr>
-                        <a:t> </a:t>
-                      </a:r>
-                      <a:r>
-                        <a:rPr lang="ko-KR" altLang="en-US" sz="1500" b="0" u="none" strike="noStrike" cap="none" dirty="0" err="1" smtClean="0">
-                          <a:solidFill>
-                            <a:schemeClr val="dk1"/>
-                          </a:solidFill>
-                        </a:rPr>
-                        <a:t>출금또는</a:t>
-                      </a:r>
-                      <a:r>
-                        <a:rPr lang="ko-KR" altLang="en-US" sz="1500" b="0" u="none" strike="noStrike" cap="none" baseline="0" dirty="0" smtClean="0">
-                          <a:solidFill>
-                            <a:schemeClr val="dk1"/>
-                          </a:solidFill>
-                        </a:rPr>
-                        <a:t> 사용한 </a:t>
-                      </a:r>
-                      <a:r>
-                        <a:rPr lang="en-US" altLang="ko-KR" sz="1500" b="0" u="none" strike="noStrike" cap="none" baseline="0" dirty="0" smtClean="0">
-                          <a:solidFill>
-                            <a:schemeClr val="dk1"/>
-                          </a:solidFill>
-                        </a:rPr>
-                        <a:t>E</a:t>
-                      </a:r>
-                      <a:r>
-                        <a:rPr lang="ko-KR" altLang="en-US" sz="1500" b="0" u="none" strike="noStrike" cap="none" baseline="0" dirty="0" smtClean="0">
-                          <a:solidFill>
-                            <a:schemeClr val="dk1"/>
-                          </a:solidFill>
-                        </a:rPr>
-                        <a:t>머니</a:t>
-                      </a:r>
-                      <a:r>
-                        <a:rPr lang="en-US" altLang="ko-KR" sz="1500" b="0" u="none" strike="noStrike" cap="none" baseline="0" dirty="0" smtClean="0">
-                          <a:solidFill>
-                            <a:schemeClr val="dk1"/>
-                          </a:solidFill>
-                        </a:rPr>
-                        <a:t>, </a:t>
-                      </a:r>
-                      <a:r>
-                        <a:rPr lang="ko-KR" altLang="en-US" sz="1500" b="0" u="none" strike="noStrike" cap="none" baseline="0" dirty="0" smtClean="0">
-                          <a:solidFill>
-                            <a:schemeClr val="dk1"/>
-                          </a:solidFill>
-                        </a:rPr>
-                        <a:t>현재 잔액을 보여준다</a:t>
-                      </a:r>
-                      <a:endParaRPr sz="1500" b="0" u="none" strike="noStrike" cap="none" dirty="0">
+                      <a:endParaRPr lang="ko-KR" altLang="en-US" sz="1500" b="0" u="none" strike="noStrike" cap="none" dirty="0">
                         <a:solidFill>
                           <a:schemeClr val="dk1"/>
                         </a:solidFill>
@@ -17411,7 +17452,7 @@
                   </a:tcPr>
                 </a:tc>
               </a:tr>
-              <a:tr h="698930">
+              <a:tr h="720605">
                 <a:tc>
                   <a:txBody>
                     <a:bodyPr/>
@@ -17496,7 +17537,7 @@
                     <a:bodyPr/>
                     <a:lstStyle/>
                     <a:p>
-                      <a:pPr marL="0" marR="0" lvl="0" indent="0" algn="l" rtl="0">
+                      <a:pPr marL="0" marR="0" lvl="0" indent="0" algn="l" defTabSz="914400" rtl="0" eaLnBrk="1" fontAlgn="auto" latinLnBrk="1" hangingPunct="1">
                         <a:lnSpc>
                           <a:spcPct val="100000"/>
                         </a:lnSpc>
@@ -17506,7 +17547,12 @@
                         <a:spcAft>
                           <a:spcPts val="0"/>
                         </a:spcAft>
+                        <a:buClrTx/>
+                        <a:buSzTx/>
+                        <a:buFontTx/>
                         <a:buNone/>
+                        <a:tabLst/>
+                        <a:defRPr/>
                       </a:pPr>
                       <a:r>
                         <a:rPr lang="ko-KR" altLang="en-US" sz="1500" u="none" strike="noStrike" cap="none" dirty="0" smtClean="0">
@@ -17514,7 +17560,7 @@
                             <a:schemeClr val="dk1"/>
                           </a:solidFill>
                         </a:rPr>
-                        <a:t>전체 내역조회 또는 충전 내역조회</a:t>
+                        <a:t>평소엔 </a:t>
                       </a:r>
                       <a:r>
                         <a:rPr lang="en-US" altLang="ko-KR" sz="1500" u="none" strike="noStrike" cap="none" dirty="0" smtClean="0">
@@ -17522,7 +17568,7 @@
                             <a:schemeClr val="dk1"/>
                           </a:solidFill>
                         </a:rPr>
-                        <a:t>, </a:t>
+                        <a:t>input</a:t>
                       </a:r>
                       <a:r>
                         <a:rPr lang="ko-KR" altLang="en-US" sz="1500" u="none" strike="noStrike" cap="none" dirty="0" smtClean="0">
@@ -17530,8 +17576,35 @@
                             <a:schemeClr val="dk1"/>
                           </a:solidFill>
                         </a:rPr>
-                        <a:t>출금 내역조회 버튼 누르면 각각의 내용이 보여지게 됨</a:t>
+                        <a:t>이 비활성화 되어있다가 직접 입력 라디오 버튼이 눌려지면 활성화 되게</a:t>
                       </a:r>
+                      <a:r>
+                        <a:rPr lang="ko-KR" altLang="en-US" sz="1500" u="none" strike="noStrike" cap="none" baseline="0" dirty="0" smtClean="0">
+                          <a:solidFill>
+                            <a:schemeClr val="dk1"/>
+                          </a:solidFill>
+                        </a:rPr>
+                        <a:t> 함</a:t>
+                      </a:r>
+                      <a:endParaRPr lang="ko-KR" altLang="en-US" sz="1500" u="none" strike="noStrike" cap="none" dirty="0" smtClean="0">
+                        <a:solidFill>
+                          <a:schemeClr val="dk1"/>
+                        </a:solidFill>
+                      </a:endParaRPr>
+                    </a:p>
+                    <a:p>
+                      <a:pPr marL="0" marR="0" lvl="0" indent="0" algn="l" rtl="0">
+                        <a:lnSpc>
+                          <a:spcPct val="100000"/>
+                        </a:lnSpc>
+                        <a:spcBef>
+                          <a:spcPts val="0"/>
+                        </a:spcBef>
+                        <a:spcAft>
+                          <a:spcPts val="0"/>
+                        </a:spcAft>
+                        <a:buNone/>
+                      </a:pPr>
                       <a:endParaRPr sz="1500" u="none" strike="noStrike" cap="none" dirty="0">
                         <a:solidFill>
                           <a:schemeClr val="dk1"/>
@@ -17582,7 +17655,7 @@
                   </a:tcPr>
                 </a:tc>
               </a:tr>
-              <a:tr h="702527">
+              <a:tr h="559698">
                 <a:tc>
                   <a:txBody>
                     <a:bodyPr/>
@@ -17690,15 +17763,7 @@
                             <a:schemeClr val="dk1"/>
                           </a:solidFill>
                         </a:rPr>
-                        <a:t>당일 조회 버튼 누르면</a:t>
-                      </a:r>
-                      <a:r>
-                        <a:rPr lang="ko-KR" altLang="en-US" sz="1500" u="none" strike="noStrike" cap="none" baseline="0" dirty="0" smtClean="0">
-                          <a:solidFill>
-                            <a:schemeClr val="dk1"/>
-                          </a:solidFill>
-                        </a:rPr>
-                        <a:t> 현재 날짜 기준으로 조회가 됨</a:t>
+                        <a:t>출금하기 버튼 누르면 해당 금액으로 출금 처리</a:t>
                       </a:r>
                       <a:endParaRPr sz="1500" u="none" strike="noStrike" cap="none" dirty="0">
                         <a:solidFill>
@@ -17750,175 +17815,7 @@
                   </a:tcPr>
                 </a:tc>
               </a:tr>
-              <a:tr h="495905">
-                <a:tc>
-                  <a:txBody>
-                    <a:bodyPr/>
-                    <a:lstStyle/>
-                    <a:p>
-                      <a:pPr marL="0" marR="0" lvl="0" indent="0" algn="ctr" rtl="0">
-                        <a:lnSpc>
-                          <a:spcPct val="100000"/>
-                        </a:lnSpc>
-                        <a:spcBef>
-                          <a:spcPts val="0"/>
-                        </a:spcBef>
-                        <a:spcAft>
-                          <a:spcPts val="0"/>
-                        </a:spcAft>
-                        <a:buClr>
-                          <a:srgbClr val="000000"/>
-                        </a:buClr>
-                        <a:buSzPts val="1500"/>
-                        <a:buFont typeface="Arial"/>
-                        <a:buNone/>
-                      </a:pPr>
-                      <a:r>
-                        <a:rPr lang="en-US" sz="1500" u="none" strike="noStrike" cap="none" dirty="0" smtClean="0">
-                          <a:solidFill>
-                            <a:schemeClr val="dk1"/>
-                          </a:solidFill>
-                        </a:rPr>
-                        <a:t>4</a:t>
-                      </a:r>
-                      <a:endParaRPr sz="1500" u="none" strike="noStrike" cap="none" dirty="0">
-                        <a:solidFill>
-                          <a:schemeClr val="dk1"/>
-                        </a:solidFill>
-                      </a:endParaRPr>
-                    </a:p>
-                  </a:txBody>
-                  <a:tcPr marL="91450" marR="91450" marT="45725" marB="45725" anchor="ctr">
-                    <a:lnL w="12700" cap="flat" cmpd="sng">
-                      <a:solidFill>
-                        <a:schemeClr val="dk1"/>
-                      </a:solidFill>
-                      <a:prstDash val="solid"/>
-                      <a:round/>
-                      <a:headEnd type="none" w="sm" len="sm"/>
-                      <a:tailEnd type="none" w="sm" len="sm"/>
-                    </a:lnL>
-                    <a:lnR w="12700" cap="flat" cmpd="sng">
-                      <a:solidFill>
-                        <a:schemeClr val="dk1"/>
-                      </a:solidFill>
-                      <a:prstDash val="solid"/>
-                      <a:round/>
-                      <a:headEnd type="none" w="sm" len="sm"/>
-                      <a:tailEnd type="none" w="sm" len="sm"/>
-                    </a:lnR>
-                    <a:lnT w="12700" cap="flat" cmpd="sng">
-                      <a:solidFill>
-                        <a:schemeClr val="dk1"/>
-                      </a:solidFill>
-                      <a:prstDash val="solid"/>
-                      <a:round/>
-                      <a:headEnd type="none" w="sm" len="sm"/>
-                      <a:tailEnd type="none" w="sm" len="sm"/>
-                    </a:lnT>
-                    <a:lnB w="12700" cap="flat" cmpd="sng">
-                      <a:solidFill>
-                        <a:schemeClr val="dk1"/>
-                      </a:solidFill>
-                      <a:prstDash val="solid"/>
-                      <a:round/>
-                      <a:headEnd type="none" w="sm" len="sm"/>
-                      <a:tailEnd type="none" w="sm" len="sm"/>
-                    </a:lnB>
-                    <a:solidFill>
-                      <a:schemeClr val="lt1"/>
-                    </a:solidFill>
-                  </a:tcPr>
-                </a:tc>
-                <a:tc>
-                  <a:txBody>
-                    <a:bodyPr/>
-                    <a:lstStyle/>
-                    <a:p>
-                      <a:pPr marL="0" marR="0" lvl="0" indent="0" algn="l" rtl="0">
-                        <a:lnSpc>
-                          <a:spcPct val="100000"/>
-                        </a:lnSpc>
-                        <a:spcBef>
-                          <a:spcPts val="0"/>
-                        </a:spcBef>
-                        <a:spcAft>
-                          <a:spcPts val="0"/>
-                        </a:spcAft>
-                        <a:buClr>
-                          <a:srgbClr val="000000"/>
-                        </a:buClr>
-                        <a:buSzPts val="1500"/>
-                        <a:buFont typeface="Arial"/>
-                        <a:buNone/>
-                      </a:pPr>
-                      <a:r>
-                        <a:rPr lang="ko-KR" altLang="en-US" sz="1500" u="none" strike="noStrike" cap="none" dirty="0" smtClean="0">
-                          <a:solidFill>
-                            <a:schemeClr val="dk1"/>
-                          </a:solidFill>
-                        </a:rPr>
-                        <a:t>조회하기 누르면 해당 날짜</a:t>
-                      </a:r>
-                      <a:r>
-                        <a:rPr lang="ko-KR" altLang="en-US" sz="1500" u="none" strike="noStrike" cap="none" baseline="0" dirty="0" smtClean="0">
-                          <a:solidFill>
-                            <a:schemeClr val="dk1"/>
-                          </a:solidFill>
-                        </a:rPr>
-                        <a:t> 기준으로 조회</a:t>
-                      </a:r>
-                      <a:endParaRPr sz="1500" u="none" strike="noStrike" cap="none" dirty="0">
-                        <a:solidFill>
-                          <a:schemeClr val="dk1"/>
-                        </a:solidFill>
-                      </a:endParaRPr>
-                    </a:p>
-                  </a:txBody>
-                  <a:tcPr marL="91450" marR="91450" marT="45725" marB="45725">
-                    <a:lnL w="12700" cap="flat" cmpd="sng">
-                      <a:solidFill>
-                        <a:schemeClr val="dk1"/>
-                      </a:solidFill>
-                      <a:prstDash val="solid"/>
-                      <a:round/>
-                      <a:headEnd type="none" w="sm" len="sm"/>
-                      <a:tailEnd type="none" w="sm" len="sm"/>
-                    </a:lnL>
-                    <a:lnR w="12700" cap="flat" cmpd="sng">
-                      <a:solidFill>
-                        <a:schemeClr val="dk1"/>
-                      </a:solidFill>
-                      <a:prstDash val="solid"/>
-                      <a:round/>
-                      <a:headEnd type="none" w="sm" len="sm"/>
-                      <a:tailEnd type="none" w="sm" len="sm"/>
-                    </a:lnR>
-                    <a:lnT w="12700" cap="flat" cmpd="sng">
-                      <a:solidFill>
-                        <a:schemeClr val="dk1"/>
-                      </a:solidFill>
-                      <a:prstDash val="solid"/>
-                      <a:round/>
-                      <a:headEnd type="none" w="sm" len="sm"/>
-                      <a:tailEnd type="none" w="sm" len="sm"/>
-                    </a:lnT>
-                    <a:lnB w="12700" cap="flat" cmpd="sng">
-                      <a:solidFill>
-                        <a:schemeClr val="dk1"/>
-                      </a:solidFill>
-                      <a:prstDash val="solid"/>
-                      <a:round/>
-                      <a:headEnd type="none" w="sm" len="sm"/>
-                      <a:tailEnd type="none" w="sm" len="sm"/>
-                    </a:lnB>
-                    <a:solidFill>
-                      <a:schemeClr val="lt1"/>
-                    </a:solidFill>
-                  </a:tcPr>
-                </a:tc>
-              </a:tr>
-              <a:tr h="579152">
+              <a:tr h="395084">
                 <a:tc>
                   <a:txBody>
                     <a:bodyPr/>
@@ -18062,7 +17959,7 @@
                   </a:tcPr>
                 </a:tc>
               </a:tr>
-              <a:tr h="505572">
+              <a:tr h="461406">
                 <a:tc>
                   <a:txBody>
                     <a:bodyPr/>
@@ -18078,9 +17975,18 @@
                         <a:spcAft>
                           <a:spcPts val="0"/>
                         </a:spcAft>
+                        <a:buClr>
+                          <a:srgbClr val="000000"/>
+                        </a:buClr>
+                        <a:buSzPts val="1500"/>
+                        <a:buFont typeface="Arial"/>
                         <a:buNone/>
                       </a:pPr>
-                      <a:endParaRPr sz="1500" dirty="0"/>
+                      <a:endParaRPr sz="1500" u="none" strike="noStrike" cap="none" dirty="0">
+                        <a:solidFill>
+                          <a:schemeClr val="dk1"/>
+                        </a:solidFill>
+                      </a:endParaRPr>
                     </a:p>
                   </a:txBody>
                   <a:tcPr marL="91450" marR="91450" marT="45725" marB="45725" anchor="ctr">
@@ -18140,6 +18046,141 @@
                         <a:spcAft>
                           <a:spcPts val="0"/>
                         </a:spcAft>
+                        <a:buClr>
+                          <a:srgbClr val="000000"/>
+                        </a:buClr>
+                        <a:buSzPts val="1500"/>
+                        <a:buFont typeface="Arial"/>
+                        <a:buNone/>
+                      </a:pPr>
+                      <a:endParaRPr sz="1500" u="none" strike="noStrike" cap="none" dirty="0">
+                        <a:solidFill>
+                          <a:schemeClr val="dk1"/>
+                        </a:solidFill>
+                      </a:endParaRPr>
+                    </a:p>
+                  </a:txBody>
+                  <a:tcPr marL="91450" marR="91450" marT="45725" marB="45725">
+                    <a:lnL w="12700" cap="flat" cmpd="sng">
+                      <a:solidFill>
+                        <a:schemeClr val="dk1"/>
+                      </a:solidFill>
+                      <a:prstDash val="solid"/>
+                      <a:round/>
+                      <a:headEnd type="none" w="sm" len="sm"/>
+                      <a:tailEnd type="none" w="sm" len="sm"/>
+                    </a:lnL>
+                    <a:lnR w="12700" cap="flat" cmpd="sng">
+                      <a:solidFill>
+                        <a:schemeClr val="dk1"/>
+                      </a:solidFill>
+                      <a:prstDash val="solid"/>
+                      <a:round/>
+                      <a:headEnd type="none" w="sm" len="sm"/>
+                      <a:tailEnd type="none" w="sm" len="sm"/>
+                    </a:lnR>
+                    <a:lnT w="12700" cap="flat" cmpd="sng">
+                      <a:solidFill>
+                        <a:schemeClr val="dk1"/>
+                      </a:solidFill>
+                      <a:prstDash val="solid"/>
+                      <a:round/>
+                      <a:headEnd type="none" w="sm" len="sm"/>
+                      <a:tailEnd type="none" w="sm" len="sm"/>
+                    </a:lnT>
+                    <a:lnB w="12700" cap="flat" cmpd="sng">
+                      <a:solidFill>
+                        <a:schemeClr val="dk1"/>
+                      </a:solidFill>
+                      <a:prstDash val="solid"/>
+                      <a:round/>
+                      <a:headEnd type="none" w="sm" len="sm"/>
+                      <a:tailEnd type="none" w="sm" len="sm"/>
+                    </a:lnB>
+                    <a:solidFill>
+                      <a:schemeClr val="lt1"/>
+                    </a:solidFill>
+                  </a:tcPr>
+                </a:tc>
+              </a:tr>
+              <a:tr h="402786">
+                <a:tc>
+                  <a:txBody>
+                    <a:bodyPr/>
+                    <a:lstStyle/>
+                    <a:p>
+                      <a:pPr marL="0" marR="0" lvl="0" indent="0" algn="ctr" rtl="0">
+                        <a:lnSpc>
+                          <a:spcPct val="100000"/>
+                        </a:lnSpc>
+                        <a:spcBef>
+                          <a:spcPts val="0"/>
+                        </a:spcBef>
+                        <a:spcAft>
+                          <a:spcPts val="0"/>
+                        </a:spcAft>
+                        <a:buNone/>
+                      </a:pPr>
+                      <a:endParaRPr sz="1500" dirty="0"/>
+                    </a:p>
+                  </a:txBody>
+                  <a:tcPr marL="91450" marR="91450" marT="45725" marB="45725" anchor="ctr">
+                    <a:lnL w="12700" cap="flat" cmpd="sng">
+                      <a:solidFill>
+                        <a:schemeClr val="dk1"/>
+                      </a:solidFill>
+                      <a:prstDash val="solid"/>
+                      <a:round/>
+                      <a:headEnd type="none" w="sm" len="sm"/>
+                      <a:tailEnd type="none" w="sm" len="sm"/>
+                    </a:lnL>
+                    <a:lnR w="12700" cap="flat" cmpd="sng">
+                      <a:solidFill>
+                        <a:schemeClr val="dk1"/>
+                      </a:solidFill>
+                      <a:prstDash val="solid"/>
+                      <a:round/>
+                      <a:headEnd type="none" w="sm" len="sm"/>
+                      <a:tailEnd type="none" w="sm" len="sm"/>
+                    </a:lnR>
+                    <a:lnT w="12700" cap="flat" cmpd="sng">
+                      <a:solidFill>
+                        <a:schemeClr val="dk1"/>
+                      </a:solidFill>
+                      <a:prstDash val="solid"/>
+                      <a:round/>
+                      <a:headEnd type="none" w="sm" len="sm"/>
+                      <a:tailEnd type="none" w="sm" len="sm"/>
+                    </a:lnT>
+                    <a:lnB w="12700" cap="flat" cmpd="sng">
+                      <a:solidFill>
+                        <a:schemeClr val="dk1"/>
+                      </a:solidFill>
+                      <a:prstDash val="solid"/>
+                      <a:round/>
+                      <a:headEnd type="none" w="sm" len="sm"/>
+                      <a:tailEnd type="none" w="sm" len="sm"/>
+                    </a:lnB>
+                    <a:solidFill>
+                      <a:schemeClr val="lt1"/>
+                    </a:solidFill>
+                  </a:tcPr>
+                </a:tc>
+                <a:tc>
+                  <a:txBody>
+                    <a:bodyPr/>
+                    <a:lstStyle/>
+                    <a:p>
+                      <a:pPr marL="0" marR="0" lvl="0" indent="0" algn="l" rtl="0">
+                        <a:lnSpc>
+                          <a:spcPct val="100000"/>
+                        </a:lnSpc>
+                        <a:spcBef>
+                          <a:spcPts val="0"/>
+                        </a:spcBef>
+                        <a:spcAft>
+                          <a:spcPts val="0"/>
+                        </a:spcAft>
                         <a:buNone/>
                       </a:pPr>
                       <a:endParaRPr sz="1500" dirty="0"/>
@@ -18188,7 +18229,7 @@
                   </a:tcPr>
                 </a:tc>
               </a:tr>
-              <a:tr h="802274">
+              <a:tr h="639167">
                 <a:tc>
                   <a:txBody>
                     <a:bodyPr/>
@@ -18728,7 +18769,7 @@
       </p:sp>
       <p:pic>
         <p:nvPicPr>
-          <p:cNvPr id="5122" name="Picture 2"/>
+          <p:cNvPr id="4098" name="Picture 2"/>
           <p:cNvPicPr>
             <a:picLocks noChangeAspect="1" noChangeArrowheads="1"/>
           </p:cNvPicPr>
@@ -18743,8 +18784,8 @@
         </p:blipFill>
         <p:spPr bwMode="auto">
           <a:xfrm>
-            <a:off x="2648252" y="1474574"/>
-            <a:ext cx="3402439" cy="4915543"/>
+            <a:off x="2469549" y="1518594"/>
+            <a:ext cx="3562350" cy="4743450"/>
           </a:xfrm>
           <a:prstGeom prst="rect">
             <a:avLst/>
@@ -18761,7 +18802,7 @@
     </p:spTree>
     <p:extLst>
       <p:ext uri="{BB962C8B-B14F-4D97-AF65-F5344CB8AC3E}">
-        <p14:creationId xmlns:p14="http://schemas.microsoft.com/office/powerpoint/2010/main" val="1316180444"/>
+        <p14:creationId xmlns:p14="http://schemas.microsoft.com/office/powerpoint/2010/main" val="1415371759"/>
       </p:ext>
     </p:extLst>
   </p:cSld>
@@ -21402,6 +21443,2841 @@
 </file>
 
 <file path=ppt/slides/slide20.xml><?xml version="1.0" encoding="utf-8"?>
+<p:sld xmlns:a="http://schemas.openxmlformats.org/drawingml/2006/main" xmlns:r="http://schemas.openxmlformats.org/officeDocument/2006/relationships" xmlns:p="http://schemas.openxmlformats.org/presentationml/2006/main">
+  <p:cSld>
+    <p:spTree>
+      <p:nvGrpSpPr>
+        <p:cNvPr id="1" name=""/>
+        <p:cNvGrpSpPr/>
+        <p:nvPr/>
+      </p:nvGrpSpPr>
+      <p:grpSpPr>
+        <a:xfrm>
+          <a:off x="0" y="0"/>
+          <a:ext cx="0" cy="0"/>
+          <a:chOff x="0" y="0"/>
+          <a:chExt cx="0" cy="0"/>
+        </a:xfrm>
+      </p:grpSpPr>
+      <p:pic>
+        <p:nvPicPr>
+          <p:cNvPr id="4" name="그림 3"/>
+          <p:cNvPicPr>
+            <a:picLocks noChangeAspect="1"/>
+          </p:cNvPicPr>
+          <p:nvPr/>
+        </p:nvPicPr>
+        <p:blipFill>
+          <a:blip r:embed="rId2"/>
+          <a:stretch>
+            <a:fillRect/>
+          </a:stretch>
+        </p:blipFill>
+        <p:spPr>
+          <a:xfrm>
+            <a:off x="1076244" y="0"/>
+            <a:ext cx="3250406" cy="6858000"/>
+          </a:xfrm>
+          <a:prstGeom prst="rect">
+            <a:avLst/>
+          </a:prstGeom>
+        </p:spPr>
+      </p:pic>
+      <p:sp>
+        <p:nvSpPr>
+          <p:cNvPr id="5" name="직사각형 4"/>
+          <p:cNvSpPr/>
+          <p:nvPr/>
+        </p:nvSpPr>
+        <p:spPr>
+          <a:xfrm>
+            <a:off x="864296" y="2116899"/>
+            <a:ext cx="2367419" cy="1215024"/>
+          </a:xfrm>
+          <a:prstGeom prst="rect">
+            <a:avLst/>
+          </a:prstGeom>
+          <a:noFill/>
+          <a:ln w="25400">
+            <a:solidFill>
+              <a:srgbClr val="FF0000"/>
+            </a:solidFill>
+          </a:ln>
+        </p:spPr>
+        <p:style>
+          <a:lnRef idx="2">
+            <a:schemeClr val="accent1">
+              <a:shade val="50000"/>
+            </a:schemeClr>
+          </a:lnRef>
+          <a:fillRef idx="1">
+            <a:schemeClr val="accent1"/>
+          </a:fillRef>
+          <a:effectRef idx="0">
+            <a:schemeClr val="accent1"/>
+          </a:effectRef>
+          <a:fontRef idx="minor">
+            <a:schemeClr val="lt1"/>
+          </a:fontRef>
+        </p:style>
+        <p:txBody>
+          <a:bodyPr rtlCol="0" anchor="ctr"/>
+          <a:lstStyle/>
+          <a:p>
+            <a:pPr algn="ctr"/>
+            <a:endParaRPr lang="ko-KR" altLang="en-US"/>
+          </a:p>
+        </p:txBody>
+      </p:sp>
+      <p:pic>
+        <p:nvPicPr>
+          <p:cNvPr id="6" name="그림 5"/>
+          <p:cNvPicPr>
+            <a:picLocks noChangeAspect="1"/>
+          </p:cNvPicPr>
+          <p:nvPr/>
+        </p:nvPicPr>
+        <p:blipFill>
+          <a:blip r:embed="rId3"/>
+          <a:stretch>
+            <a:fillRect/>
+          </a:stretch>
+        </p:blipFill>
+        <p:spPr>
+          <a:xfrm>
+            <a:off x="4724129" y="1533025"/>
+            <a:ext cx="6646237" cy="2382771"/>
+          </a:xfrm>
+          <a:prstGeom prst="rect">
+            <a:avLst/>
+          </a:prstGeom>
+        </p:spPr>
+      </p:pic>
+    </p:spTree>
+    <p:extLst>
+      <p:ext uri="{BB962C8B-B14F-4D97-AF65-F5344CB8AC3E}">
+        <p14:creationId xmlns:p14="http://schemas.microsoft.com/office/powerpoint/2010/main" val="236826819"/>
+      </p:ext>
+    </p:extLst>
+  </p:cSld>
+  <p:clrMapOvr>
+    <a:masterClrMapping/>
+  </p:clrMapOvr>
+</p:sld>
+</file>
+
+<file path=ppt/slides/slide21.xml><?xml version="1.0" encoding="utf-8"?>
+<p:sld xmlns:a="http://schemas.openxmlformats.org/drawingml/2006/main" xmlns:r="http://schemas.openxmlformats.org/officeDocument/2006/relationships" xmlns:p="http://schemas.openxmlformats.org/presentationml/2006/main">
+  <p:cSld>
+    <p:spTree>
+      <p:nvGrpSpPr>
+        <p:cNvPr id="1" name="Shape 163"/>
+        <p:cNvGrpSpPr/>
+        <p:nvPr/>
+      </p:nvGrpSpPr>
+      <p:grpSpPr>
+        <a:xfrm>
+          <a:off x="0" y="0"/>
+          <a:ext cx="0" cy="0"/>
+          <a:chOff x="0" y="0"/>
+          <a:chExt cx="0" cy="0"/>
+        </a:xfrm>
+      </p:grpSpPr>
+      <p:sp>
+        <p:nvSpPr>
+          <p:cNvPr id="164" name="Google Shape;164;g7c553259d1_0_81"/>
+          <p:cNvSpPr/>
+          <p:nvPr/>
+        </p:nvSpPr>
+        <p:spPr>
+          <a:xfrm>
+            <a:off x="4174054" y="5718862"/>
+            <a:ext cx="3433800" cy="292800"/>
+          </a:xfrm>
+          <a:prstGeom prst="rect">
+            <a:avLst/>
+          </a:prstGeom>
+          <a:solidFill>
+            <a:schemeClr val="lt1"/>
+          </a:solidFill>
+          <a:ln w="12700" cap="flat" cmpd="sng">
+            <a:solidFill>
+              <a:schemeClr val="dk1"/>
+            </a:solidFill>
+            <a:prstDash val="solid"/>
+            <a:miter lim="800000"/>
+            <a:headEnd type="none" w="sm" len="sm"/>
+            <a:tailEnd type="none" w="sm" len="sm"/>
+          </a:ln>
+        </p:spPr>
+        <p:txBody>
+          <a:bodyPr spcFirstLastPara="1" wrap="square" lIns="91425" tIns="45700" rIns="91425" bIns="45700" anchor="ctr" anchorCtr="0">
+            <a:noAutofit/>
+          </a:bodyPr>
+          <a:lstStyle/>
+          <a:p>
+            <a:pPr marL="0" marR="0" lvl="0" indent="0" algn="ctr" rtl="0">
+              <a:lnSpc>
+                <a:spcPct val="100000"/>
+              </a:lnSpc>
+              <a:spcBef>
+                <a:spcPts val="0"/>
+              </a:spcBef>
+              <a:spcAft>
+                <a:spcPts val="0"/>
+              </a:spcAft>
+              <a:buClr>
+                <a:srgbClr val="000000"/>
+              </a:buClr>
+              <a:buSzPts val="1800"/>
+              <a:buFont typeface="Arial"/>
+              <a:buNone/>
+            </a:pPr>
+            <a:endParaRPr sz="1800" b="0" i="0" u="none" strike="noStrike" cap="none">
+              <a:solidFill>
+                <a:schemeClr val="dk1"/>
+              </a:solidFill>
+              <a:latin typeface="Malgun Gothic"/>
+              <a:ea typeface="Malgun Gothic"/>
+              <a:cs typeface="Malgun Gothic"/>
+              <a:sym typeface="Malgun Gothic"/>
+            </a:endParaRPr>
+          </a:p>
+        </p:txBody>
+      </p:sp>
+      <p:graphicFrame>
+        <p:nvGraphicFramePr>
+          <p:cNvPr id="165" name="Google Shape;165;g7c553259d1_0_81"/>
+          <p:cNvGraphicFramePr/>
+          <p:nvPr>
+            <p:extLst/>
+          </p:nvPr>
+        </p:nvGraphicFramePr>
+        <p:xfrm>
+          <a:off x="131601" y="115759"/>
+          <a:ext cx="4124100" cy="960150"/>
+        </p:xfrm>
+        <a:graphic>
+          <a:graphicData uri="http://schemas.openxmlformats.org/drawingml/2006/table">
+            <a:tbl>
+              <a:tblPr firstRow="1" bandRow="1">
+                <a:noFill/>
+              </a:tblPr>
+              <a:tblGrid>
+                <a:gridCol w="1443550"/>
+                <a:gridCol w="2680550"/>
+              </a:tblGrid>
+              <a:tr h="271225">
+                <a:tc>
+                  <a:txBody>
+                    <a:bodyPr/>
+                    <a:lstStyle/>
+                    <a:p>
+                      <a:pPr marL="0" marR="0" lvl="0" indent="0" algn="ctr" rtl="0">
+                        <a:lnSpc>
+                          <a:spcPct val="100000"/>
+                        </a:lnSpc>
+                        <a:spcBef>
+                          <a:spcPts val="0"/>
+                        </a:spcBef>
+                        <a:spcAft>
+                          <a:spcPts val="0"/>
+                        </a:spcAft>
+                        <a:buClr>
+                          <a:srgbClr val="000000"/>
+                        </a:buClr>
+                        <a:buSzPts val="1500"/>
+                        <a:buFont typeface="Arial"/>
+                        <a:buNone/>
+                      </a:pPr>
+                      <a:r>
+                        <a:rPr lang="ko-KR" sz="1500" b="0" u="none" strike="noStrike" cap="none" dirty="0">
+                          <a:solidFill>
+                            <a:schemeClr val="dk1"/>
+                          </a:solidFill>
+                        </a:rPr>
+                        <a:t>화면코드</a:t>
+                      </a:r>
+                      <a:endParaRPr sz="1500" b="0" u="none" strike="noStrike" cap="none" dirty="0">
+                        <a:solidFill>
+                          <a:schemeClr val="dk1"/>
+                        </a:solidFill>
+                      </a:endParaRPr>
+                    </a:p>
+                  </a:txBody>
+                  <a:tcPr marL="91450" marR="91450" marT="45725" marB="45725" anchor="ctr">
+                    <a:lnL w="12700" cap="flat" cmpd="sng">
+                      <a:solidFill>
+                        <a:schemeClr val="dk1"/>
+                      </a:solidFill>
+                      <a:prstDash val="solid"/>
+                      <a:round/>
+                      <a:headEnd type="none" w="sm" len="sm"/>
+                      <a:tailEnd type="none" w="sm" len="sm"/>
+                    </a:lnL>
+                    <a:lnR w="12700" cap="flat" cmpd="sng">
+                      <a:solidFill>
+                        <a:schemeClr val="dk1"/>
+                      </a:solidFill>
+                      <a:prstDash val="solid"/>
+                      <a:round/>
+                      <a:headEnd type="none" w="sm" len="sm"/>
+                      <a:tailEnd type="none" w="sm" len="sm"/>
+                    </a:lnR>
+                    <a:lnT w="12700" cap="flat" cmpd="sng">
+                      <a:solidFill>
+                        <a:schemeClr val="dk1"/>
+                      </a:solidFill>
+                      <a:prstDash val="solid"/>
+                      <a:round/>
+                      <a:headEnd type="none" w="sm" len="sm"/>
+                      <a:tailEnd type="none" w="sm" len="sm"/>
+                    </a:lnT>
+                    <a:lnB w="12700" cap="flat" cmpd="sng">
+                      <a:solidFill>
+                        <a:schemeClr val="dk1"/>
+                      </a:solidFill>
+                      <a:prstDash val="solid"/>
+                      <a:round/>
+                      <a:headEnd type="none" w="sm" len="sm"/>
+                      <a:tailEnd type="none" w="sm" len="sm"/>
+                    </a:lnB>
+                    <a:solidFill>
+                      <a:srgbClr val="D8D8D8"/>
+                    </a:solidFill>
+                  </a:tcPr>
+                </a:tc>
+                <a:tc>
+                  <a:txBody>
+                    <a:bodyPr/>
+                    <a:lstStyle/>
+                    <a:p>
+                      <a:pPr marL="0" marR="0" lvl="0" indent="0" algn="ctr" rtl="0">
+                        <a:lnSpc>
+                          <a:spcPct val="100000"/>
+                        </a:lnSpc>
+                        <a:spcBef>
+                          <a:spcPts val="0"/>
+                        </a:spcBef>
+                        <a:spcAft>
+                          <a:spcPts val="0"/>
+                        </a:spcAft>
+                        <a:buClr>
+                          <a:srgbClr val="000000"/>
+                        </a:buClr>
+                        <a:buSzPts val="1500"/>
+                        <a:buFont typeface="Arial"/>
+                        <a:buNone/>
+                      </a:pPr>
+                      <a:r>
+                        <a:rPr lang="en-US" altLang="ko-KR" sz="1500" b="0" u="none" strike="noStrike" cap="none" dirty="0" err="1" smtClean="0">
+                          <a:solidFill>
+                            <a:schemeClr val="dk1"/>
+                          </a:solidFill>
+                        </a:rPr>
+                        <a:t>user_w_kb_EMoneyDetail</a:t>
+                      </a:r>
+                      <a:endParaRPr sz="1500" b="0" u="none" strike="noStrike" cap="none" dirty="0">
+                        <a:solidFill>
+                          <a:schemeClr val="dk1"/>
+                        </a:solidFill>
+                      </a:endParaRPr>
+                    </a:p>
+                  </a:txBody>
+                  <a:tcPr marL="91450" marR="91450" marT="45725" marB="45725" anchor="ctr">
+                    <a:lnL w="12700" cap="flat" cmpd="sng">
+                      <a:solidFill>
+                        <a:schemeClr val="dk1"/>
+                      </a:solidFill>
+                      <a:prstDash val="solid"/>
+                      <a:round/>
+                      <a:headEnd type="none" w="sm" len="sm"/>
+                      <a:tailEnd type="none" w="sm" len="sm"/>
+                    </a:lnL>
+                    <a:lnR w="12700" cap="flat" cmpd="sng">
+                      <a:solidFill>
+                        <a:schemeClr val="dk1"/>
+                      </a:solidFill>
+                      <a:prstDash val="solid"/>
+                      <a:round/>
+                      <a:headEnd type="none" w="sm" len="sm"/>
+                      <a:tailEnd type="none" w="sm" len="sm"/>
+                    </a:lnR>
+                    <a:lnT w="12700" cap="flat" cmpd="sng">
+                      <a:solidFill>
+                        <a:schemeClr val="dk1"/>
+                      </a:solidFill>
+                      <a:prstDash val="solid"/>
+                      <a:round/>
+                      <a:headEnd type="none" w="sm" len="sm"/>
+                      <a:tailEnd type="none" w="sm" len="sm"/>
+                    </a:lnT>
+                    <a:lnB w="12700" cap="flat" cmpd="sng">
+                      <a:solidFill>
+                        <a:schemeClr val="dk1"/>
+                      </a:solidFill>
+                      <a:prstDash val="solid"/>
+                      <a:round/>
+                      <a:headEnd type="none" w="sm" len="sm"/>
+                      <a:tailEnd type="none" w="sm" len="sm"/>
+                    </a:lnB>
+                    <a:solidFill>
+                      <a:schemeClr val="lt1"/>
+                    </a:solidFill>
+                  </a:tcPr>
+                </a:tc>
+              </a:tr>
+              <a:tr h="271225">
+                <a:tc rowSpan="2">
+                  <a:txBody>
+                    <a:bodyPr/>
+                    <a:lstStyle/>
+                    <a:p>
+                      <a:pPr marL="0" marR="0" lvl="0" indent="0" algn="ctr" rtl="0">
+                        <a:lnSpc>
+                          <a:spcPct val="100000"/>
+                        </a:lnSpc>
+                        <a:spcBef>
+                          <a:spcPts val="0"/>
+                        </a:spcBef>
+                        <a:spcAft>
+                          <a:spcPts val="0"/>
+                        </a:spcAft>
+                        <a:buClr>
+                          <a:srgbClr val="000000"/>
+                        </a:buClr>
+                        <a:buSzPts val="1500"/>
+                        <a:buFont typeface="Arial"/>
+                        <a:buNone/>
+                      </a:pPr>
+                      <a:r>
+                        <a:rPr lang="ko-KR" sz="1500" b="0" u="none" strike="noStrike" cap="none">
+                          <a:solidFill>
+                            <a:schemeClr val="dk1"/>
+                          </a:solidFill>
+                        </a:rPr>
+                        <a:t>화면명</a:t>
+                      </a:r>
+                      <a:endParaRPr sz="1500" b="0" u="none" strike="noStrike" cap="none">
+                        <a:solidFill>
+                          <a:schemeClr val="dk1"/>
+                        </a:solidFill>
+                      </a:endParaRPr>
+                    </a:p>
+                  </a:txBody>
+                  <a:tcPr marL="91450" marR="91450" marT="45725" marB="45725" anchor="ctr">
+                    <a:lnL w="12700" cap="flat" cmpd="sng">
+                      <a:solidFill>
+                        <a:schemeClr val="dk1"/>
+                      </a:solidFill>
+                      <a:prstDash val="solid"/>
+                      <a:round/>
+                      <a:headEnd type="none" w="sm" len="sm"/>
+                      <a:tailEnd type="none" w="sm" len="sm"/>
+                    </a:lnL>
+                    <a:lnR w="12700" cap="flat" cmpd="sng">
+                      <a:solidFill>
+                        <a:schemeClr val="dk1"/>
+                      </a:solidFill>
+                      <a:prstDash val="solid"/>
+                      <a:round/>
+                      <a:headEnd type="none" w="sm" len="sm"/>
+                      <a:tailEnd type="none" w="sm" len="sm"/>
+                    </a:lnR>
+                    <a:lnT w="12700" cap="flat" cmpd="sng">
+                      <a:solidFill>
+                        <a:schemeClr val="dk1"/>
+                      </a:solidFill>
+                      <a:prstDash val="solid"/>
+                      <a:round/>
+                      <a:headEnd type="none" w="sm" len="sm"/>
+                      <a:tailEnd type="none" w="sm" len="sm"/>
+                    </a:lnT>
+                    <a:lnB w="12700" cap="flat" cmpd="sng">
+                      <a:solidFill>
+                        <a:schemeClr val="dk1"/>
+                      </a:solidFill>
+                      <a:prstDash val="solid"/>
+                      <a:round/>
+                      <a:headEnd type="none" w="sm" len="sm"/>
+                      <a:tailEnd type="none" w="sm" len="sm"/>
+                    </a:lnB>
+                    <a:solidFill>
+                      <a:srgbClr val="D8D8D8"/>
+                    </a:solidFill>
+                  </a:tcPr>
+                </a:tc>
+                <a:tc>
+                  <a:txBody>
+                    <a:bodyPr/>
+                    <a:lstStyle/>
+                    <a:p>
+                      <a:pPr marL="0" marR="0" lvl="0" indent="0" algn="ctr" rtl="0">
+                        <a:lnSpc>
+                          <a:spcPct val="100000"/>
+                        </a:lnSpc>
+                        <a:spcBef>
+                          <a:spcPts val="0"/>
+                        </a:spcBef>
+                        <a:spcAft>
+                          <a:spcPts val="0"/>
+                        </a:spcAft>
+                        <a:buClr>
+                          <a:srgbClr val="000000"/>
+                        </a:buClr>
+                        <a:buSzPts val="1500"/>
+                        <a:buFont typeface="Arial"/>
+                        <a:buNone/>
+                      </a:pPr>
+                      <a:r>
+                        <a:rPr lang="en-US" sz="1500" b="0" u="none" strike="noStrike" cap="none" dirty="0" smtClean="0">
+                          <a:solidFill>
+                            <a:schemeClr val="dk1"/>
+                          </a:solidFill>
+                        </a:rPr>
+                        <a:t>E</a:t>
+                      </a:r>
+                      <a:r>
+                        <a:rPr lang="ko-KR" altLang="en-US" sz="1500" b="0" u="none" strike="noStrike" cap="none" dirty="0" smtClean="0">
+                          <a:solidFill>
+                            <a:schemeClr val="dk1"/>
+                          </a:solidFill>
+                        </a:rPr>
+                        <a:t>머니 충전</a:t>
+                      </a:r>
+                      <a:r>
+                        <a:rPr lang="en-US" altLang="ko-KR" sz="1500" b="0" u="none" strike="noStrike" cap="none" dirty="0" smtClean="0">
+                          <a:solidFill>
+                            <a:schemeClr val="dk1"/>
+                          </a:solidFill>
+                        </a:rPr>
+                        <a:t>/</a:t>
+                      </a:r>
+                      <a:r>
+                        <a:rPr lang="ko-KR" altLang="en-US" sz="1500" b="0" u="none" strike="noStrike" cap="none" dirty="0" smtClean="0">
+                          <a:solidFill>
+                            <a:schemeClr val="dk1"/>
+                          </a:solidFill>
+                        </a:rPr>
+                        <a:t>출금내역</a:t>
+                      </a:r>
+                      <a:endParaRPr sz="1500" b="0" u="none" strike="noStrike" cap="none" dirty="0">
+                        <a:solidFill>
+                          <a:schemeClr val="dk1"/>
+                        </a:solidFill>
+                      </a:endParaRPr>
+                    </a:p>
+                  </a:txBody>
+                  <a:tcPr marL="91450" marR="91450" marT="45725" marB="45725" anchor="ctr">
+                    <a:lnL w="12700" cap="flat" cmpd="sng">
+                      <a:solidFill>
+                        <a:schemeClr val="dk1"/>
+                      </a:solidFill>
+                      <a:prstDash val="solid"/>
+                      <a:round/>
+                      <a:headEnd type="none" w="sm" len="sm"/>
+                      <a:tailEnd type="none" w="sm" len="sm"/>
+                    </a:lnL>
+                    <a:lnR w="12700" cap="flat" cmpd="sng">
+                      <a:solidFill>
+                        <a:schemeClr val="dk1"/>
+                      </a:solidFill>
+                      <a:prstDash val="solid"/>
+                      <a:round/>
+                      <a:headEnd type="none" w="sm" len="sm"/>
+                      <a:tailEnd type="none" w="sm" len="sm"/>
+                    </a:lnR>
+                    <a:lnT w="12700" cap="flat" cmpd="sng">
+                      <a:solidFill>
+                        <a:schemeClr val="dk1"/>
+                      </a:solidFill>
+                      <a:prstDash val="solid"/>
+                      <a:round/>
+                      <a:headEnd type="none" w="sm" len="sm"/>
+                      <a:tailEnd type="none" w="sm" len="sm"/>
+                    </a:lnT>
+                    <a:lnB w="12700" cap="flat" cmpd="sng">
+                      <a:solidFill>
+                        <a:schemeClr val="dk1"/>
+                      </a:solidFill>
+                      <a:prstDash val="solid"/>
+                      <a:round/>
+                      <a:headEnd type="none" w="sm" len="sm"/>
+                      <a:tailEnd type="none" w="sm" len="sm"/>
+                    </a:lnB>
+                    <a:solidFill>
+                      <a:schemeClr val="lt1"/>
+                    </a:solidFill>
+                  </a:tcPr>
+                </a:tc>
+              </a:tr>
+              <a:tr h="271225">
+                <a:tc vMerge="1">
+                  <a:txBody>
+                    <a:bodyPr/>
+                    <a:lstStyle/>
+                    <a:p>
+                      <a:endParaRPr lang="ko-KR"/>
+                    </a:p>
+                  </a:txBody>
+                  <a:tcPr/>
+                </a:tc>
+                <a:tc>
+                  <a:txBody>
+                    <a:bodyPr/>
+                    <a:lstStyle/>
+                    <a:p>
+                      <a:pPr marL="0" marR="0" lvl="0" indent="0" algn="ctr" rtl="0">
+                        <a:lnSpc>
+                          <a:spcPct val="100000"/>
+                        </a:lnSpc>
+                        <a:spcBef>
+                          <a:spcPts val="0"/>
+                        </a:spcBef>
+                        <a:spcAft>
+                          <a:spcPts val="0"/>
+                        </a:spcAft>
+                        <a:buClr>
+                          <a:srgbClr val="000000"/>
+                        </a:buClr>
+                        <a:buSzPts val="1500"/>
+                        <a:buFont typeface="Arial"/>
+                        <a:buNone/>
+                      </a:pPr>
+                      <a:endParaRPr sz="1500" b="0" u="none" strike="noStrike" cap="none" dirty="0">
+                        <a:solidFill>
+                          <a:schemeClr val="dk1"/>
+                        </a:solidFill>
+                      </a:endParaRPr>
+                    </a:p>
+                  </a:txBody>
+                  <a:tcPr marL="91450" marR="91450" marT="45725" marB="45725" anchor="ctr">
+                    <a:lnL w="12700" cap="flat" cmpd="sng">
+                      <a:solidFill>
+                        <a:schemeClr val="dk1"/>
+                      </a:solidFill>
+                      <a:prstDash val="solid"/>
+                      <a:round/>
+                      <a:headEnd type="none" w="sm" len="sm"/>
+                      <a:tailEnd type="none" w="sm" len="sm"/>
+                    </a:lnL>
+                    <a:lnR w="12700" cap="flat" cmpd="sng">
+                      <a:solidFill>
+                        <a:schemeClr val="dk1"/>
+                      </a:solidFill>
+                      <a:prstDash val="solid"/>
+                      <a:round/>
+                      <a:headEnd type="none" w="sm" len="sm"/>
+                      <a:tailEnd type="none" w="sm" len="sm"/>
+                    </a:lnR>
+                    <a:lnT w="12700" cap="flat" cmpd="sng">
+                      <a:solidFill>
+                        <a:schemeClr val="dk1"/>
+                      </a:solidFill>
+                      <a:prstDash val="solid"/>
+                      <a:round/>
+                      <a:headEnd type="none" w="sm" len="sm"/>
+                      <a:tailEnd type="none" w="sm" len="sm"/>
+                    </a:lnT>
+                    <a:lnB w="12700" cap="flat" cmpd="sng">
+                      <a:solidFill>
+                        <a:schemeClr val="dk1"/>
+                      </a:solidFill>
+                      <a:prstDash val="solid"/>
+                      <a:round/>
+                      <a:headEnd type="none" w="sm" len="sm"/>
+                      <a:tailEnd type="none" w="sm" len="sm"/>
+                    </a:lnB>
+                    <a:solidFill>
+                      <a:schemeClr val="lt1"/>
+                    </a:solidFill>
+                  </a:tcPr>
+                </a:tc>
+              </a:tr>
+            </a:tbl>
+          </a:graphicData>
+        </a:graphic>
+      </p:graphicFrame>
+      <p:graphicFrame>
+        <p:nvGraphicFramePr>
+          <p:cNvPr id="166" name="Google Shape;166;g7c553259d1_0_81"/>
+          <p:cNvGraphicFramePr/>
+          <p:nvPr/>
+        </p:nvGraphicFramePr>
+        <p:xfrm>
+          <a:off x="9309046" y="197403"/>
+          <a:ext cx="2815500" cy="320050"/>
+        </p:xfrm>
+        <a:graphic>
+          <a:graphicData uri="http://schemas.openxmlformats.org/drawingml/2006/table">
+            <a:tbl>
+              <a:tblPr firstRow="1" bandRow="1">
+                <a:noFill/>
+              </a:tblPr>
+              <a:tblGrid>
+                <a:gridCol w="1407750"/>
+                <a:gridCol w="1407750"/>
+              </a:tblGrid>
+              <a:tr h="265075">
+                <a:tc>
+                  <a:txBody>
+                    <a:bodyPr/>
+                    <a:lstStyle/>
+                    <a:p>
+                      <a:pPr marL="0" marR="0" lvl="0" indent="0" algn="ctr" rtl="0">
+                        <a:lnSpc>
+                          <a:spcPct val="100000"/>
+                        </a:lnSpc>
+                        <a:spcBef>
+                          <a:spcPts val="0"/>
+                        </a:spcBef>
+                        <a:spcAft>
+                          <a:spcPts val="0"/>
+                        </a:spcAft>
+                        <a:buClr>
+                          <a:srgbClr val="000000"/>
+                        </a:buClr>
+                        <a:buSzPts val="1500"/>
+                        <a:buFont typeface="Arial"/>
+                        <a:buNone/>
+                      </a:pPr>
+                      <a:r>
+                        <a:rPr lang="ko-KR" sz="1500" b="0" u="none" strike="noStrike" cap="none">
+                          <a:solidFill>
+                            <a:schemeClr val="dk1"/>
+                          </a:solidFill>
+                        </a:rPr>
+                        <a:t>화면 번호</a:t>
+                      </a:r>
+                      <a:endParaRPr sz="1500" b="0" u="none" strike="noStrike" cap="none">
+                        <a:solidFill>
+                          <a:schemeClr val="dk1"/>
+                        </a:solidFill>
+                      </a:endParaRPr>
+                    </a:p>
+                  </a:txBody>
+                  <a:tcPr marL="91450" marR="91450" marT="45725" marB="45725" anchor="ctr">
+                    <a:lnL w="12700" cap="flat" cmpd="sng">
+                      <a:solidFill>
+                        <a:schemeClr val="dk1"/>
+                      </a:solidFill>
+                      <a:prstDash val="solid"/>
+                      <a:round/>
+                      <a:headEnd type="none" w="sm" len="sm"/>
+                      <a:tailEnd type="none" w="sm" len="sm"/>
+                    </a:lnL>
+                    <a:lnR w="12700" cap="flat" cmpd="sng">
+                      <a:solidFill>
+                        <a:schemeClr val="dk1"/>
+                      </a:solidFill>
+                      <a:prstDash val="solid"/>
+                      <a:round/>
+                      <a:headEnd type="none" w="sm" len="sm"/>
+                      <a:tailEnd type="none" w="sm" len="sm"/>
+                    </a:lnR>
+                    <a:lnT w="12700" cap="flat" cmpd="sng">
+                      <a:solidFill>
+                        <a:schemeClr val="dk1"/>
+                      </a:solidFill>
+                      <a:prstDash val="solid"/>
+                      <a:round/>
+                      <a:headEnd type="none" w="sm" len="sm"/>
+                      <a:tailEnd type="none" w="sm" len="sm"/>
+                    </a:lnT>
+                    <a:lnB w="12700" cap="flat" cmpd="sng">
+                      <a:solidFill>
+                        <a:schemeClr val="dk1"/>
+                      </a:solidFill>
+                      <a:prstDash val="solid"/>
+                      <a:round/>
+                      <a:headEnd type="none" w="sm" len="sm"/>
+                      <a:tailEnd type="none" w="sm" len="sm"/>
+                    </a:lnB>
+                    <a:solidFill>
+                      <a:srgbClr val="D8D8D8"/>
+                    </a:solidFill>
+                  </a:tcPr>
+                </a:tc>
+                <a:tc>
+                  <a:txBody>
+                    <a:bodyPr/>
+                    <a:lstStyle/>
+                    <a:p>
+                      <a:pPr marL="0" marR="0" lvl="0" indent="0" algn="ctr" rtl="0">
+                        <a:lnSpc>
+                          <a:spcPct val="100000"/>
+                        </a:lnSpc>
+                        <a:spcBef>
+                          <a:spcPts val="0"/>
+                        </a:spcBef>
+                        <a:spcAft>
+                          <a:spcPts val="0"/>
+                        </a:spcAft>
+                        <a:buClr>
+                          <a:srgbClr val="000000"/>
+                        </a:buClr>
+                        <a:buSzPts val="1500"/>
+                        <a:buFont typeface="Arial"/>
+                        <a:buNone/>
+                      </a:pPr>
+                      <a:endParaRPr sz="1500" b="0" u="none" strike="noStrike" cap="none">
+                        <a:solidFill>
+                          <a:schemeClr val="dk1"/>
+                        </a:solidFill>
+                      </a:endParaRPr>
+                    </a:p>
+                  </a:txBody>
+                  <a:tcPr marL="91450" marR="91450" marT="45725" marB="45725" anchor="ctr">
+                    <a:lnL w="12700" cap="flat" cmpd="sng">
+                      <a:solidFill>
+                        <a:schemeClr val="dk1"/>
+                      </a:solidFill>
+                      <a:prstDash val="solid"/>
+                      <a:round/>
+                      <a:headEnd type="none" w="sm" len="sm"/>
+                      <a:tailEnd type="none" w="sm" len="sm"/>
+                    </a:lnL>
+                    <a:lnR w="12700" cap="flat" cmpd="sng">
+                      <a:solidFill>
+                        <a:schemeClr val="dk1"/>
+                      </a:solidFill>
+                      <a:prstDash val="solid"/>
+                      <a:round/>
+                      <a:headEnd type="none" w="sm" len="sm"/>
+                      <a:tailEnd type="none" w="sm" len="sm"/>
+                    </a:lnR>
+                    <a:lnT w="12700" cap="flat" cmpd="sng">
+                      <a:solidFill>
+                        <a:schemeClr val="dk1"/>
+                      </a:solidFill>
+                      <a:prstDash val="solid"/>
+                      <a:round/>
+                      <a:headEnd type="none" w="sm" len="sm"/>
+                      <a:tailEnd type="none" w="sm" len="sm"/>
+                    </a:lnT>
+                    <a:lnB w="12700" cap="flat" cmpd="sng">
+                      <a:solidFill>
+                        <a:schemeClr val="dk1"/>
+                      </a:solidFill>
+                      <a:prstDash val="solid"/>
+                      <a:round/>
+                      <a:headEnd type="none" w="sm" len="sm"/>
+                      <a:tailEnd type="none" w="sm" len="sm"/>
+                    </a:lnB>
+                    <a:solidFill>
+                      <a:schemeClr val="lt1"/>
+                    </a:solidFill>
+                  </a:tcPr>
+                </a:tc>
+              </a:tr>
+            </a:tbl>
+          </a:graphicData>
+        </a:graphic>
+      </p:graphicFrame>
+      <p:graphicFrame>
+        <p:nvGraphicFramePr>
+          <p:cNvPr id="167" name="Google Shape;167;g7c553259d1_0_81"/>
+          <p:cNvGraphicFramePr/>
+          <p:nvPr/>
+        </p:nvGraphicFramePr>
+        <p:xfrm>
+          <a:off x="6200086" y="197403"/>
+          <a:ext cx="2815500" cy="320050"/>
+        </p:xfrm>
+        <a:graphic>
+          <a:graphicData uri="http://schemas.openxmlformats.org/drawingml/2006/table">
+            <a:tbl>
+              <a:tblPr firstRow="1" bandRow="1">
+                <a:noFill/>
+              </a:tblPr>
+              <a:tblGrid>
+                <a:gridCol w="1407750"/>
+                <a:gridCol w="1407750"/>
+              </a:tblGrid>
+              <a:tr h="265075">
+                <a:tc>
+                  <a:txBody>
+                    <a:bodyPr/>
+                    <a:lstStyle/>
+                    <a:p>
+                      <a:pPr marL="0" marR="0" lvl="0" indent="0" algn="ctr" rtl="0">
+                        <a:lnSpc>
+                          <a:spcPct val="100000"/>
+                        </a:lnSpc>
+                        <a:spcBef>
+                          <a:spcPts val="0"/>
+                        </a:spcBef>
+                        <a:spcAft>
+                          <a:spcPts val="0"/>
+                        </a:spcAft>
+                        <a:buClr>
+                          <a:srgbClr val="000000"/>
+                        </a:buClr>
+                        <a:buSzPts val="1500"/>
+                        <a:buFont typeface="Arial"/>
+                        <a:buNone/>
+                      </a:pPr>
+                      <a:r>
+                        <a:rPr lang="ko-KR" sz="1500" b="0" u="none" strike="noStrike" cap="none">
+                          <a:solidFill>
+                            <a:schemeClr val="dk1"/>
+                          </a:solidFill>
+                        </a:rPr>
+                        <a:t>프로젝트</a:t>
+                      </a:r>
+                      <a:endParaRPr sz="1500" b="0" u="none" strike="noStrike" cap="none">
+                        <a:solidFill>
+                          <a:schemeClr val="dk1"/>
+                        </a:solidFill>
+                      </a:endParaRPr>
+                    </a:p>
+                  </a:txBody>
+                  <a:tcPr marL="91450" marR="91450" marT="45725" marB="45725" anchor="ctr">
+                    <a:lnL w="12700" cap="flat" cmpd="sng">
+                      <a:solidFill>
+                        <a:schemeClr val="dk1"/>
+                      </a:solidFill>
+                      <a:prstDash val="solid"/>
+                      <a:round/>
+                      <a:headEnd type="none" w="sm" len="sm"/>
+                      <a:tailEnd type="none" w="sm" len="sm"/>
+                    </a:lnL>
+                    <a:lnR w="12700" cap="flat" cmpd="sng">
+                      <a:solidFill>
+                        <a:schemeClr val="dk1"/>
+                      </a:solidFill>
+                      <a:prstDash val="solid"/>
+                      <a:round/>
+                      <a:headEnd type="none" w="sm" len="sm"/>
+                      <a:tailEnd type="none" w="sm" len="sm"/>
+                    </a:lnR>
+                    <a:lnT w="12700" cap="flat" cmpd="sng">
+                      <a:solidFill>
+                        <a:schemeClr val="dk1"/>
+                      </a:solidFill>
+                      <a:prstDash val="solid"/>
+                      <a:round/>
+                      <a:headEnd type="none" w="sm" len="sm"/>
+                      <a:tailEnd type="none" w="sm" len="sm"/>
+                    </a:lnT>
+                    <a:lnB w="12700" cap="flat" cmpd="sng">
+                      <a:solidFill>
+                        <a:schemeClr val="dk1"/>
+                      </a:solidFill>
+                      <a:prstDash val="solid"/>
+                      <a:round/>
+                      <a:headEnd type="none" w="sm" len="sm"/>
+                      <a:tailEnd type="none" w="sm" len="sm"/>
+                    </a:lnB>
+                    <a:solidFill>
+                      <a:srgbClr val="D8D8D8"/>
+                    </a:solidFill>
+                  </a:tcPr>
+                </a:tc>
+                <a:tc>
+                  <a:txBody>
+                    <a:bodyPr/>
+                    <a:lstStyle/>
+                    <a:p>
+                      <a:pPr marL="0" marR="0" lvl="0" indent="0" algn="ctr" rtl="0">
+                        <a:lnSpc>
+                          <a:spcPct val="100000"/>
+                        </a:lnSpc>
+                        <a:spcBef>
+                          <a:spcPts val="0"/>
+                        </a:spcBef>
+                        <a:spcAft>
+                          <a:spcPts val="0"/>
+                        </a:spcAft>
+                        <a:buClr>
+                          <a:srgbClr val="000000"/>
+                        </a:buClr>
+                        <a:buSzPts val="1500"/>
+                        <a:buFont typeface="Arial"/>
+                        <a:buNone/>
+                      </a:pPr>
+                      <a:endParaRPr sz="1500" b="0" u="none" strike="noStrike" cap="none">
+                        <a:solidFill>
+                          <a:schemeClr val="dk1"/>
+                        </a:solidFill>
+                      </a:endParaRPr>
+                    </a:p>
+                  </a:txBody>
+                  <a:tcPr marL="91450" marR="91450" marT="45725" marB="45725" anchor="ctr">
+                    <a:lnL w="12700" cap="flat" cmpd="sng">
+                      <a:solidFill>
+                        <a:schemeClr val="dk1"/>
+                      </a:solidFill>
+                      <a:prstDash val="solid"/>
+                      <a:round/>
+                      <a:headEnd type="none" w="sm" len="sm"/>
+                      <a:tailEnd type="none" w="sm" len="sm"/>
+                    </a:lnL>
+                    <a:lnR w="12700" cap="flat" cmpd="sng">
+                      <a:solidFill>
+                        <a:schemeClr val="dk1"/>
+                      </a:solidFill>
+                      <a:prstDash val="solid"/>
+                      <a:round/>
+                      <a:headEnd type="none" w="sm" len="sm"/>
+                      <a:tailEnd type="none" w="sm" len="sm"/>
+                    </a:lnR>
+                    <a:lnT w="12700" cap="flat" cmpd="sng">
+                      <a:solidFill>
+                        <a:schemeClr val="dk1"/>
+                      </a:solidFill>
+                      <a:prstDash val="solid"/>
+                      <a:round/>
+                      <a:headEnd type="none" w="sm" len="sm"/>
+                      <a:tailEnd type="none" w="sm" len="sm"/>
+                    </a:lnT>
+                    <a:lnB w="12700" cap="flat" cmpd="sng">
+                      <a:solidFill>
+                        <a:schemeClr val="dk1"/>
+                      </a:solidFill>
+                      <a:prstDash val="solid"/>
+                      <a:round/>
+                      <a:headEnd type="none" w="sm" len="sm"/>
+                      <a:tailEnd type="none" w="sm" len="sm"/>
+                    </a:lnB>
+                    <a:solidFill>
+                      <a:schemeClr val="lt1"/>
+                    </a:solidFill>
+                  </a:tcPr>
+                </a:tc>
+              </a:tr>
+            </a:tbl>
+          </a:graphicData>
+        </a:graphic>
+      </p:graphicFrame>
+      <p:sp>
+        <p:nvSpPr>
+          <p:cNvPr id="168" name="Google Shape;168;g7c553259d1_0_81"/>
+          <p:cNvSpPr/>
+          <p:nvPr/>
+        </p:nvSpPr>
+        <p:spPr>
+          <a:xfrm>
+            <a:off x="157954" y="1271965"/>
+            <a:ext cx="8032200" cy="5349900"/>
+          </a:xfrm>
+          <a:prstGeom prst="rect">
+            <a:avLst/>
+          </a:prstGeom>
+          <a:solidFill>
+            <a:schemeClr val="lt1"/>
+          </a:solidFill>
+          <a:ln w="12700" cap="flat" cmpd="sng">
+            <a:solidFill>
+              <a:schemeClr val="dk1"/>
+            </a:solidFill>
+            <a:prstDash val="solid"/>
+            <a:miter lim="800000"/>
+            <a:headEnd type="none" w="sm" len="sm"/>
+            <a:tailEnd type="none" w="sm" len="sm"/>
+          </a:ln>
+        </p:spPr>
+        <p:txBody>
+          <a:bodyPr spcFirstLastPara="1" wrap="square" lIns="91425" tIns="45700" rIns="91425" bIns="45700" anchor="ctr" anchorCtr="0">
+            <a:noAutofit/>
+          </a:bodyPr>
+          <a:lstStyle/>
+          <a:p>
+            <a:pPr marL="0" marR="0" lvl="0" indent="0" algn="ctr" rtl="0">
+              <a:lnSpc>
+                <a:spcPct val="100000"/>
+              </a:lnSpc>
+              <a:spcBef>
+                <a:spcPts val="0"/>
+              </a:spcBef>
+              <a:spcAft>
+                <a:spcPts val="0"/>
+              </a:spcAft>
+              <a:buClr>
+                <a:srgbClr val="000000"/>
+              </a:buClr>
+              <a:buSzPts val="1500"/>
+              <a:buFont typeface="Arial"/>
+              <a:buNone/>
+            </a:pPr>
+            <a:endParaRPr sz="1500" b="0" i="0" u="none" strike="noStrike" cap="none">
+              <a:solidFill>
+                <a:schemeClr val="dk1"/>
+              </a:solidFill>
+              <a:latin typeface="Malgun Gothic"/>
+              <a:ea typeface="Malgun Gothic"/>
+              <a:cs typeface="Malgun Gothic"/>
+              <a:sym typeface="Malgun Gothic"/>
+            </a:endParaRPr>
+          </a:p>
+        </p:txBody>
+      </p:sp>
+      <p:graphicFrame>
+        <p:nvGraphicFramePr>
+          <p:cNvPr id="169" name="Google Shape;169;g7c553259d1_0_81"/>
+          <p:cNvGraphicFramePr/>
+          <p:nvPr>
+            <p:extLst/>
+          </p:nvPr>
+        </p:nvGraphicFramePr>
+        <p:xfrm>
+          <a:off x="8509686" y="1289960"/>
+          <a:ext cx="3532000" cy="5110101"/>
+        </p:xfrm>
+        <a:graphic>
+          <a:graphicData uri="http://schemas.openxmlformats.org/drawingml/2006/table">
+            <a:tbl>
+              <a:tblPr firstRow="1" bandRow="1">
+                <a:noFill/>
+              </a:tblPr>
+              <a:tblGrid>
+                <a:gridCol w="382900"/>
+                <a:gridCol w="3149100"/>
+              </a:tblGrid>
+              <a:tr h="320262">
+                <a:tc>
+                  <a:txBody>
+                    <a:bodyPr/>
+                    <a:lstStyle/>
+                    <a:p>
+                      <a:pPr marL="0" marR="0" lvl="0" indent="0" algn="ctr" rtl="0">
+                        <a:lnSpc>
+                          <a:spcPct val="100000"/>
+                        </a:lnSpc>
+                        <a:spcBef>
+                          <a:spcPts val="0"/>
+                        </a:spcBef>
+                        <a:spcAft>
+                          <a:spcPts val="0"/>
+                        </a:spcAft>
+                        <a:buClr>
+                          <a:srgbClr val="000000"/>
+                        </a:buClr>
+                        <a:buSzPts val="1500"/>
+                        <a:buFont typeface="Arial"/>
+                        <a:buNone/>
+                      </a:pPr>
+                      <a:r>
+                        <a:rPr lang="ko-KR" sz="1500" u="none" strike="noStrike" cap="none" dirty="0">
+                          <a:solidFill>
+                            <a:schemeClr val="dk1"/>
+                          </a:solidFill>
+                        </a:rPr>
+                        <a:t>#</a:t>
+                      </a:r>
+                      <a:endParaRPr sz="1500" u="none" strike="noStrike" cap="none" dirty="0">
+                        <a:solidFill>
+                          <a:schemeClr val="dk1"/>
+                        </a:solidFill>
+                      </a:endParaRPr>
+                    </a:p>
+                  </a:txBody>
+                  <a:tcPr marL="91450" marR="91450" marT="45725" marB="45725" anchor="ctr">
+                    <a:lnL w="12700" cap="flat" cmpd="sng">
+                      <a:solidFill>
+                        <a:schemeClr val="dk1"/>
+                      </a:solidFill>
+                      <a:prstDash val="solid"/>
+                      <a:round/>
+                      <a:headEnd type="none" w="sm" len="sm"/>
+                      <a:tailEnd type="none" w="sm" len="sm"/>
+                    </a:lnL>
+                    <a:lnR w="12700" cap="flat" cmpd="sng">
+                      <a:solidFill>
+                        <a:schemeClr val="dk1"/>
+                      </a:solidFill>
+                      <a:prstDash val="solid"/>
+                      <a:round/>
+                      <a:headEnd type="none" w="sm" len="sm"/>
+                      <a:tailEnd type="none" w="sm" len="sm"/>
+                    </a:lnR>
+                    <a:lnT w="12700" cap="flat" cmpd="sng">
+                      <a:solidFill>
+                        <a:schemeClr val="dk1"/>
+                      </a:solidFill>
+                      <a:prstDash val="solid"/>
+                      <a:round/>
+                      <a:headEnd type="none" w="sm" len="sm"/>
+                      <a:tailEnd type="none" w="sm" len="sm"/>
+                    </a:lnT>
+                    <a:lnB w="12700" cap="flat" cmpd="sng">
+                      <a:solidFill>
+                        <a:schemeClr val="dk1"/>
+                      </a:solidFill>
+                      <a:prstDash val="solid"/>
+                      <a:round/>
+                      <a:headEnd type="none" w="sm" len="sm"/>
+                      <a:tailEnd type="none" w="sm" len="sm"/>
+                    </a:lnB>
+                    <a:solidFill>
+                      <a:srgbClr val="D8D8D8"/>
+                    </a:solidFill>
+                  </a:tcPr>
+                </a:tc>
+                <a:tc>
+                  <a:txBody>
+                    <a:bodyPr/>
+                    <a:lstStyle/>
+                    <a:p>
+                      <a:pPr marL="0" marR="0" lvl="0" indent="0" algn="ctr" rtl="0">
+                        <a:lnSpc>
+                          <a:spcPct val="100000"/>
+                        </a:lnSpc>
+                        <a:spcBef>
+                          <a:spcPts val="0"/>
+                        </a:spcBef>
+                        <a:spcAft>
+                          <a:spcPts val="0"/>
+                        </a:spcAft>
+                        <a:buClr>
+                          <a:srgbClr val="000000"/>
+                        </a:buClr>
+                        <a:buSzPts val="1500"/>
+                        <a:buFont typeface="Arial"/>
+                        <a:buNone/>
+                      </a:pPr>
+                      <a:endParaRPr sz="1500" u="none" strike="noStrike" cap="none" dirty="0">
+                        <a:solidFill>
+                          <a:schemeClr val="dk1"/>
+                        </a:solidFill>
+                      </a:endParaRPr>
+                    </a:p>
+                  </a:txBody>
+                  <a:tcPr marL="91450" marR="91450" marT="45725" marB="45725" anchor="ctr">
+                    <a:lnL w="12700" cap="flat" cmpd="sng">
+                      <a:solidFill>
+                        <a:schemeClr val="dk1"/>
+                      </a:solidFill>
+                      <a:prstDash val="solid"/>
+                      <a:round/>
+                      <a:headEnd type="none" w="sm" len="sm"/>
+                      <a:tailEnd type="none" w="sm" len="sm"/>
+                    </a:lnL>
+                    <a:lnR w="12700" cap="flat" cmpd="sng">
+                      <a:solidFill>
+                        <a:schemeClr val="dk1"/>
+                      </a:solidFill>
+                      <a:prstDash val="solid"/>
+                      <a:round/>
+                      <a:headEnd type="none" w="sm" len="sm"/>
+                      <a:tailEnd type="none" w="sm" len="sm"/>
+                    </a:lnR>
+                    <a:lnT w="12700" cap="flat" cmpd="sng">
+                      <a:solidFill>
+                        <a:schemeClr val="dk1"/>
+                      </a:solidFill>
+                      <a:prstDash val="solid"/>
+                      <a:round/>
+                      <a:headEnd type="none" w="sm" len="sm"/>
+                      <a:tailEnd type="none" w="sm" len="sm"/>
+                    </a:lnT>
+                    <a:lnB w="12700" cap="flat" cmpd="sng">
+                      <a:solidFill>
+                        <a:schemeClr val="dk1"/>
+                      </a:solidFill>
+                      <a:prstDash val="solid"/>
+                      <a:round/>
+                      <a:headEnd type="none" w="sm" len="sm"/>
+                      <a:tailEnd type="none" w="sm" len="sm"/>
+                    </a:lnB>
+                    <a:solidFill>
+                      <a:srgbClr val="D8D8D8"/>
+                    </a:solidFill>
+                  </a:tcPr>
+                </a:tc>
+              </a:tr>
+              <a:tr h="874414">
+                <a:tc>
+                  <a:txBody>
+                    <a:bodyPr/>
+                    <a:lstStyle/>
+                    <a:p>
+                      <a:pPr marL="0" marR="0" lvl="0" indent="0" algn="ctr" rtl="0">
+                        <a:lnSpc>
+                          <a:spcPct val="100000"/>
+                        </a:lnSpc>
+                        <a:spcBef>
+                          <a:spcPts val="0"/>
+                        </a:spcBef>
+                        <a:spcAft>
+                          <a:spcPts val="0"/>
+                        </a:spcAft>
+                        <a:buClr>
+                          <a:srgbClr val="000000"/>
+                        </a:buClr>
+                        <a:buSzPts val="1500"/>
+                        <a:buFont typeface="Arial"/>
+                        <a:buNone/>
+                      </a:pPr>
+                      <a:r>
+                        <a:rPr lang="en-US" sz="1500" dirty="0" smtClean="0"/>
+                        <a:t>1</a:t>
+                      </a:r>
+                      <a:endParaRPr sz="1500" dirty="0"/>
+                    </a:p>
+                  </a:txBody>
+                  <a:tcPr marL="91450" marR="91450" marT="45725" marB="45725" anchor="ctr">
+                    <a:lnL w="12700" cap="flat" cmpd="sng">
+                      <a:solidFill>
+                        <a:schemeClr val="dk1"/>
+                      </a:solidFill>
+                      <a:prstDash val="solid"/>
+                      <a:round/>
+                      <a:headEnd type="none" w="sm" len="sm"/>
+                      <a:tailEnd type="none" w="sm" len="sm"/>
+                    </a:lnL>
+                    <a:lnR w="12700" cap="flat" cmpd="sng">
+                      <a:solidFill>
+                        <a:schemeClr val="dk1"/>
+                      </a:solidFill>
+                      <a:prstDash val="solid"/>
+                      <a:round/>
+                      <a:headEnd type="none" w="sm" len="sm"/>
+                      <a:tailEnd type="none" w="sm" len="sm"/>
+                    </a:lnR>
+                    <a:lnT w="12700" cap="flat" cmpd="sng">
+                      <a:solidFill>
+                        <a:schemeClr val="dk1"/>
+                      </a:solidFill>
+                      <a:prstDash val="solid"/>
+                      <a:round/>
+                      <a:headEnd type="none" w="sm" len="sm"/>
+                      <a:tailEnd type="none" w="sm" len="sm"/>
+                    </a:lnT>
+                    <a:lnB w="12700" cap="flat" cmpd="sng">
+                      <a:solidFill>
+                        <a:schemeClr val="dk1"/>
+                      </a:solidFill>
+                      <a:prstDash val="solid"/>
+                      <a:round/>
+                      <a:headEnd type="none" w="sm" len="sm"/>
+                      <a:tailEnd type="none" w="sm" len="sm"/>
+                    </a:lnB>
+                    <a:solidFill>
+                      <a:schemeClr val="lt1"/>
+                    </a:solidFill>
+                  </a:tcPr>
+                </a:tc>
+                <a:tc>
+                  <a:txBody>
+                    <a:bodyPr/>
+                    <a:lstStyle/>
+                    <a:p>
+                      <a:pPr marL="0" marR="0" lvl="0" indent="0" algn="l" rtl="0">
+                        <a:lnSpc>
+                          <a:spcPct val="100000"/>
+                        </a:lnSpc>
+                        <a:spcBef>
+                          <a:spcPts val="0"/>
+                        </a:spcBef>
+                        <a:spcAft>
+                          <a:spcPts val="0"/>
+                        </a:spcAft>
+                        <a:buClr>
+                          <a:srgbClr val="000000"/>
+                        </a:buClr>
+                        <a:buSzPts val="1500"/>
+                        <a:buFont typeface="Arial"/>
+                        <a:buNone/>
+                      </a:pPr>
+                      <a:r>
+                        <a:rPr lang="ko-KR" altLang="en-US" sz="1500" b="0" u="none" strike="noStrike" cap="none" dirty="0" smtClean="0">
+                          <a:solidFill>
+                            <a:schemeClr val="dk1"/>
+                          </a:solidFill>
+                        </a:rPr>
+                        <a:t>충전한 </a:t>
+                      </a:r>
+                      <a:r>
+                        <a:rPr lang="en-US" altLang="ko-KR" sz="1500" b="0" u="none" strike="noStrike" cap="none" dirty="0" smtClean="0">
+                          <a:solidFill>
+                            <a:schemeClr val="dk1"/>
+                          </a:solidFill>
+                        </a:rPr>
+                        <a:t>E</a:t>
+                      </a:r>
+                      <a:r>
+                        <a:rPr lang="ko-KR" altLang="en-US" sz="1500" b="0" u="none" strike="noStrike" cap="none" dirty="0" err="1" smtClean="0">
+                          <a:solidFill>
+                            <a:schemeClr val="dk1"/>
+                          </a:solidFill>
+                        </a:rPr>
+                        <a:t>머니와</a:t>
+                      </a:r>
+                      <a:r>
+                        <a:rPr lang="ko-KR" altLang="en-US" sz="1500" b="0" u="none" strike="noStrike" cap="none" dirty="0" smtClean="0">
+                          <a:solidFill>
+                            <a:schemeClr val="dk1"/>
+                          </a:solidFill>
+                        </a:rPr>
+                        <a:t> </a:t>
+                      </a:r>
+                      <a:r>
+                        <a:rPr lang="ko-KR" altLang="en-US" sz="1500" b="0" u="none" strike="noStrike" cap="none" dirty="0" err="1" smtClean="0">
+                          <a:solidFill>
+                            <a:schemeClr val="dk1"/>
+                          </a:solidFill>
+                        </a:rPr>
+                        <a:t>출금또는</a:t>
+                      </a:r>
+                      <a:r>
+                        <a:rPr lang="ko-KR" altLang="en-US" sz="1500" b="0" u="none" strike="noStrike" cap="none" baseline="0" dirty="0" smtClean="0">
+                          <a:solidFill>
+                            <a:schemeClr val="dk1"/>
+                          </a:solidFill>
+                        </a:rPr>
+                        <a:t> 사용한 </a:t>
+                      </a:r>
+                      <a:r>
+                        <a:rPr lang="en-US" altLang="ko-KR" sz="1500" b="0" u="none" strike="noStrike" cap="none" baseline="0" dirty="0" smtClean="0">
+                          <a:solidFill>
+                            <a:schemeClr val="dk1"/>
+                          </a:solidFill>
+                        </a:rPr>
+                        <a:t>E</a:t>
+                      </a:r>
+                      <a:r>
+                        <a:rPr lang="ko-KR" altLang="en-US" sz="1500" b="0" u="none" strike="noStrike" cap="none" baseline="0" dirty="0" smtClean="0">
+                          <a:solidFill>
+                            <a:schemeClr val="dk1"/>
+                          </a:solidFill>
+                        </a:rPr>
+                        <a:t>머니</a:t>
+                      </a:r>
+                      <a:r>
+                        <a:rPr lang="en-US" altLang="ko-KR" sz="1500" b="0" u="none" strike="noStrike" cap="none" baseline="0" dirty="0" smtClean="0">
+                          <a:solidFill>
+                            <a:schemeClr val="dk1"/>
+                          </a:solidFill>
+                        </a:rPr>
+                        <a:t>, </a:t>
+                      </a:r>
+                      <a:r>
+                        <a:rPr lang="ko-KR" altLang="en-US" sz="1500" b="0" u="none" strike="noStrike" cap="none" baseline="0" dirty="0" smtClean="0">
+                          <a:solidFill>
+                            <a:schemeClr val="dk1"/>
+                          </a:solidFill>
+                        </a:rPr>
+                        <a:t>현재 잔액을 보여준다</a:t>
+                      </a:r>
+                      <a:endParaRPr sz="1500" b="0" u="none" strike="noStrike" cap="none" dirty="0">
+                        <a:solidFill>
+                          <a:schemeClr val="dk1"/>
+                        </a:solidFill>
+                      </a:endParaRPr>
+                    </a:p>
+                  </a:txBody>
+                  <a:tcPr marL="91450" marR="91450" marT="45725" marB="45725">
+                    <a:lnL w="12700" cap="flat" cmpd="sng">
+                      <a:solidFill>
+                        <a:schemeClr val="dk1"/>
+                      </a:solidFill>
+                      <a:prstDash val="solid"/>
+                      <a:round/>
+                      <a:headEnd type="none" w="sm" len="sm"/>
+                      <a:tailEnd type="none" w="sm" len="sm"/>
+                    </a:lnL>
+                    <a:lnR w="12700" cap="flat" cmpd="sng">
+                      <a:solidFill>
+                        <a:schemeClr val="dk1"/>
+                      </a:solidFill>
+                      <a:prstDash val="solid"/>
+                      <a:round/>
+                      <a:headEnd type="none" w="sm" len="sm"/>
+                      <a:tailEnd type="none" w="sm" len="sm"/>
+                    </a:lnR>
+                    <a:lnT w="12700" cap="flat" cmpd="sng">
+                      <a:solidFill>
+                        <a:schemeClr val="dk1"/>
+                      </a:solidFill>
+                      <a:prstDash val="solid"/>
+                      <a:round/>
+                      <a:headEnd type="none" w="sm" len="sm"/>
+                      <a:tailEnd type="none" w="sm" len="sm"/>
+                    </a:lnT>
+                    <a:lnB w="12700" cap="flat" cmpd="sng">
+                      <a:solidFill>
+                        <a:schemeClr val="dk1"/>
+                      </a:solidFill>
+                      <a:prstDash val="solid"/>
+                      <a:round/>
+                      <a:headEnd type="none" w="sm" len="sm"/>
+                      <a:tailEnd type="none" w="sm" len="sm"/>
+                    </a:lnB>
+                    <a:solidFill>
+                      <a:schemeClr val="lt1"/>
+                    </a:solidFill>
+                  </a:tcPr>
+                </a:tc>
+              </a:tr>
+              <a:tr h="698930">
+                <a:tc>
+                  <a:txBody>
+                    <a:bodyPr/>
+                    <a:lstStyle/>
+                    <a:p>
+                      <a:pPr marL="0" marR="0" lvl="0" indent="0" algn="ctr" rtl="0">
+                        <a:lnSpc>
+                          <a:spcPct val="100000"/>
+                        </a:lnSpc>
+                        <a:spcBef>
+                          <a:spcPts val="0"/>
+                        </a:spcBef>
+                        <a:spcAft>
+                          <a:spcPts val="0"/>
+                        </a:spcAft>
+                        <a:buClr>
+                          <a:srgbClr val="000000"/>
+                        </a:buClr>
+                        <a:buSzPts val="1500"/>
+                        <a:buFont typeface="Arial"/>
+                        <a:buNone/>
+                      </a:pPr>
+                      <a:r>
+                        <a:rPr lang="en-US" sz="1500" u="none" strike="noStrike" cap="none" dirty="0" smtClean="0">
+                          <a:solidFill>
+                            <a:schemeClr val="dk1"/>
+                          </a:solidFill>
+                        </a:rPr>
+                        <a:t>2</a:t>
+                      </a:r>
+                      <a:endParaRPr sz="1500" u="none" strike="noStrike" cap="none" dirty="0">
+                        <a:solidFill>
+                          <a:schemeClr val="dk1"/>
+                        </a:solidFill>
+                      </a:endParaRPr>
+                    </a:p>
+                  </a:txBody>
+                  <a:tcPr marL="91450" marR="91450" marT="45725" marB="45725" anchor="ctr">
+                    <a:lnL w="12700" cap="flat" cmpd="sng">
+                      <a:solidFill>
+                        <a:schemeClr val="dk1"/>
+                      </a:solidFill>
+                      <a:prstDash val="solid"/>
+                      <a:round/>
+                      <a:headEnd type="none" w="sm" len="sm"/>
+                      <a:tailEnd type="none" w="sm" len="sm"/>
+                    </a:lnL>
+                    <a:lnR w="12700" cap="flat" cmpd="sng">
+                      <a:solidFill>
+                        <a:schemeClr val="dk1"/>
+                      </a:solidFill>
+                      <a:prstDash val="solid"/>
+                      <a:round/>
+                      <a:headEnd type="none" w="sm" len="sm"/>
+                      <a:tailEnd type="none" w="sm" len="sm"/>
+                    </a:lnR>
+                    <a:lnT w="12700" cap="flat" cmpd="sng">
+                      <a:solidFill>
+                        <a:schemeClr val="dk1"/>
+                      </a:solidFill>
+                      <a:prstDash val="solid"/>
+                      <a:round/>
+                      <a:headEnd type="none" w="sm" len="sm"/>
+                      <a:tailEnd type="none" w="sm" len="sm"/>
+                    </a:lnT>
+                    <a:lnB w="12700" cap="flat" cmpd="sng">
+                      <a:solidFill>
+                        <a:schemeClr val="dk1"/>
+                      </a:solidFill>
+                      <a:prstDash val="solid"/>
+                      <a:round/>
+                      <a:headEnd type="none" w="sm" len="sm"/>
+                      <a:tailEnd type="none" w="sm" len="sm"/>
+                    </a:lnB>
+                    <a:solidFill>
+                      <a:schemeClr val="lt1"/>
+                    </a:solidFill>
+                  </a:tcPr>
+                </a:tc>
+                <a:tc>
+                  <a:txBody>
+                    <a:bodyPr/>
+                    <a:lstStyle/>
+                    <a:p>
+                      <a:pPr marL="0" marR="0" lvl="0" indent="0" algn="l" rtl="0">
+                        <a:lnSpc>
+                          <a:spcPct val="100000"/>
+                        </a:lnSpc>
+                        <a:spcBef>
+                          <a:spcPts val="0"/>
+                        </a:spcBef>
+                        <a:spcAft>
+                          <a:spcPts val="0"/>
+                        </a:spcAft>
+                        <a:buNone/>
+                      </a:pPr>
+                      <a:r>
+                        <a:rPr lang="ko-KR" altLang="en-US" sz="1500" u="none" strike="noStrike" cap="none" dirty="0" smtClean="0">
+                          <a:solidFill>
+                            <a:schemeClr val="dk1"/>
+                          </a:solidFill>
+                        </a:rPr>
+                        <a:t>전체 내역조회 또는 충전 내역조회</a:t>
+                      </a:r>
+                      <a:r>
+                        <a:rPr lang="en-US" altLang="ko-KR" sz="1500" u="none" strike="noStrike" cap="none" dirty="0" smtClean="0">
+                          <a:solidFill>
+                            <a:schemeClr val="dk1"/>
+                          </a:solidFill>
+                        </a:rPr>
+                        <a:t>, </a:t>
+                      </a:r>
+                      <a:r>
+                        <a:rPr lang="ko-KR" altLang="en-US" sz="1500" u="none" strike="noStrike" cap="none" dirty="0" smtClean="0">
+                          <a:solidFill>
+                            <a:schemeClr val="dk1"/>
+                          </a:solidFill>
+                        </a:rPr>
+                        <a:t>출금 내역조회 버튼 누르면 각각의 내용이 보여지게 됨</a:t>
+                      </a:r>
+                      <a:endParaRPr sz="1500" u="none" strike="noStrike" cap="none" dirty="0">
+                        <a:solidFill>
+                          <a:schemeClr val="dk1"/>
+                        </a:solidFill>
+                      </a:endParaRPr>
+                    </a:p>
+                  </a:txBody>
+                  <a:tcPr marL="91450" marR="91450" marT="45725" marB="45725">
+                    <a:lnL w="12700" cap="flat" cmpd="sng">
+                      <a:solidFill>
+                        <a:schemeClr val="dk1"/>
+                      </a:solidFill>
+                      <a:prstDash val="solid"/>
+                      <a:round/>
+                      <a:headEnd type="none" w="sm" len="sm"/>
+                      <a:tailEnd type="none" w="sm" len="sm"/>
+                    </a:lnL>
+                    <a:lnR w="12700" cap="flat" cmpd="sng">
+                      <a:solidFill>
+                        <a:schemeClr val="dk1"/>
+                      </a:solidFill>
+                      <a:prstDash val="solid"/>
+                      <a:round/>
+                      <a:headEnd type="none" w="sm" len="sm"/>
+                      <a:tailEnd type="none" w="sm" len="sm"/>
+                    </a:lnR>
+                    <a:lnT w="12700" cap="flat" cmpd="sng">
+                      <a:solidFill>
+                        <a:schemeClr val="dk1"/>
+                      </a:solidFill>
+                      <a:prstDash val="solid"/>
+                      <a:round/>
+                      <a:headEnd type="none" w="sm" len="sm"/>
+                      <a:tailEnd type="none" w="sm" len="sm"/>
+                    </a:lnT>
+                    <a:lnB w="12700" cap="flat" cmpd="sng">
+                      <a:solidFill>
+                        <a:schemeClr val="dk1"/>
+                      </a:solidFill>
+                      <a:prstDash val="solid"/>
+                      <a:round/>
+                      <a:headEnd type="none" w="sm" len="sm"/>
+                      <a:tailEnd type="none" w="sm" len="sm"/>
+                    </a:lnB>
+                    <a:solidFill>
+                      <a:schemeClr val="lt1"/>
+                    </a:solidFill>
+                  </a:tcPr>
+                </a:tc>
+              </a:tr>
+              <a:tr h="702527">
+                <a:tc>
+                  <a:txBody>
+                    <a:bodyPr/>
+                    <a:lstStyle/>
+                    <a:p>
+                      <a:pPr marL="0" marR="0" lvl="0" indent="0" algn="ctr" rtl="0">
+                        <a:lnSpc>
+                          <a:spcPct val="100000"/>
+                        </a:lnSpc>
+                        <a:spcBef>
+                          <a:spcPts val="0"/>
+                        </a:spcBef>
+                        <a:spcAft>
+                          <a:spcPts val="0"/>
+                        </a:spcAft>
+                        <a:buClr>
+                          <a:srgbClr val="000000"/>
+                        </a:buClr>
+                        <a:buSzPts val="1500"/>
+                        <a:buFont typeface="Arial"/>
+                        <a:buNone/>
+                      </a:pPr>
+                      <a:r>
+                        <a:rPr lang="en-US" sz="1500" u="none" strike="noStrike" cap="none" dirty="0" smtClean="0">
+                          <a:solidFill>
+                            <a:schemeClr val="dk1"/>
+                          </a:solidFill>
+                        </a:rPr>
+                        <a:t>3</a:t>
+                      </a:r>
+                      <a:endParaRPr sz="1500" u="none" strike="noStrike" cap="none" dirty="0">
+                        <a:solidFill>
+                          <a:schemeClr val="dk1"/>
+                        </a:solidFill>
+                      </a:endParaRPr>
+                    </a:p>
+                  </a:txBody>
+                  <a:tcPr marL="91450" marR="91450" marT="45725" marB="45725" anchor="ctr">
+                    <a:lnL w="12700" cap="flat" cmpd="sng">
+                      <a:solidFill>
+                        <a:schemeClr val="dk1"/>
+                      </a:solidFill>
+                      <a:prstDash val="solid"/>
+                      <a:round/>
+                      <a:headEnd type="none" w="sm" len="sm"/>
+                      <a:tailEnd type="none" w="sm" len="sm"/>
+                    </a:lnL>
+                    <a:lnR w="12700" cap="flat" cmpd="sng">
+                      <a:solidFill>
+                        <a:schemeClr val="dk1"/>
+                      </a:solidFill>
+                      <a:prstDash val="solid"/>
+                      <a:round/>
+                      <a:headEnd type="none" w="sm" len="sm"/>
+                      <a:tailEnd type="none" w="sm" len="sm"/>
+                    </a:lnR>
+                    <a:lnT w="12700" cap="flat" cmpd="sng">
+                      <a:solidFill>
+                        <a:schemeClr val="dk1"/>
+                      </a:solidFill>
+                      <a:prstDash val="solid"/>
+                      <a:round/>
+                      <a:headEnd type="none" w="sm" len="sm"/>
+                      <a:tailEnd type="none" w="sm" len="sm"/>
+                    </a:lnT>
+                    <a:lnB w="12700" cap="flat" cmpd="sng">
+                      <a:solidFill>
+                        <a:schemeClr val="dk1"/>
+                      </a:solidFill>
+                      <a:prstDash val="solid"/>
+                      <a:round/>
+                      <a:headEnd type="none" w="sm" len="sm"/>
+                      <a:tailEnd type="none" w="sm" len="sm"/>
+                    </a:lnB>
+                    <a:solidFill>
+                      <a:schemeClr val="lt1"/>
+                    </a:solidFill>
+                  </a:tcPr>
+                </a:tc>
+                <a:tc>
+                  <a:txBody>
+                    <a:bodyPr/>
+                    <a:lstStyle/>
+                    <a:p>
+                      <a:pPr marL="0" marR="0" lvl="0" indent="0" algn="l" rtl="0">
+                        <a:lnSpc>
+                          <a:spcPct val="100000"/>
+                        </a:lnSpc>
+                        <a:spcBef>
+                          <a:spcPts val="0"/>
+                        </a:spcBef>
+                        <a:spcAft>
+                          <a:spcPts val="0"/>
+                        </a:spcAft>
+                        <a:buClr>
+                          <a:srgbClr val="000000"/>
+                        </a:buClr>
+                        <a:buSzPts val="1500"/>
+                        <a:buFont typeface="Arial"/>
+                        <a:buNone/>
+                      </a:pPr>
+                      <a:r>
+                        <a:rPr lang="ko-KR" altLang="en-US" sz="1500" u="none" strike="noStrike" cap="none" dirty="0" smtClean="0">
+                          <a:solidFill>
+                            <a:schemeClr val="dk1"/>
+                          </a:solidFill>
+                        </a:rPr>
+                        <a:t>당일 조회 버튼 누르면</a:t>
+                      </a:r>
+                      <a:r>
+                        <a:rPr lang="ko-KR" altLang="en-US" sz="1500" u="none" strike="noStrike" cap="none" baseline="0" dirty="0" smtClean="0">
+                          <a:solidFill>
+                            <a:schemeClr val="dk1"/>
+                          </a:solidFill>
+                        </a:rPr>
+                        <a:t> 현재 날짜 기준으로 조회가 됨</a:t>
+                      </a:r>
+                      <a:endParaRPr sz="1500" u="none" strike="noStrike" cap="none" dirty="0">
+                        <a:solidFill>
+                          <a:schemeClr val="dk1"/>
+                        </a:solidFill>
+                      </a:endParaRPr>
+                    </a:p>
+                  </a:txBody>
+                  <a:tcPr marL="91450" marR="91450" marT="45725" marB="45725">
+                    <a:lnL w="12700" cap="flat" cmpd="sng">
+                      <a:solidFill>
+                        <a:schemeClr val="dk1"/>
+                      </a:solidFill>
+                      <a:prstDash val="solid"/>
+                      <a:round/>
+                      <a:headEnd type="none" w="sm" len="sm"/>
+                      <a:tailEnd type="none" w="sm" len="sm"/>
+                    </a:lnL>
+                    <a:lnR w="12700" cap="flat" cmpd="sng">
+                      <a:solidFill>
+                        <a:schemeClr val="dk1"/>
+                      </a:solidFill>
+                      <a:prstDash val="solid"/>
+                      <a:round/>
+                      <a:headEnd type="none" w="sm" len="sm"/>
+                      <a:tailEnd type="none" w="sm" len="sm"/>
+                    </a:lnR>
+                    <a:lnT w="12700" cap="flat" cmpd="sng">
+                      <a:solidFill>
+                        <a:schemeClr val="dk1"/>
+                      </a:solidFill>
+                      <a:prstDash val="solid"/>
+                      <a:round/>
+                      <a:headEnd type="none" w="sm" len="sm"/>
+                      <a:tailEnd type="none" w="sm" len="sm"/>
+                    </a:lnT>
+                    <a:lnB w="12700" cap="flat" cmpd="sng">
+                      <a:solidFill>
+                        <a:schemeClr val="dk1"/>
+                      </a:solidFill>
+                      <a:prstDash val="solid"/>
+                      <a:round/>
+                      <a:headEnd type="none" w="sm" len="sm"/>
+                      <a:tailEnd type="none" w="sm" len="sm"/>
+                    </a:lnB>
+                    <a:solidFill>
+                      <a:schemeClr val="lt1"/>
+                    </a:solidFill>
+                  </a:tcPr>
+                </a:tc>
+              </a:tr>
+              <a:tr h="495905">
+                <a:tc>
+                  <a:txBody>
+                    <a:bodyPr/>
+                    <a:lstStyle/>
+                    <a:p>
+                      <a:pPr marL="0" marR="0" lvl="0" indent="0" algn="ctr" rtl="0">
+                        <a:lnSpc>
+                          <a:spcPct val="100000"/>
+                        </a:lnSpc>
+                        <a:spcBef>
+                          <a:spcPts val="0"/>
+                        </a:spcBef>
+                        <a:spcAft>
+                          <a:spcPts val="0"/>
+                        </a:spcAft>
+                        <a:buClr>
+                          <a:srgbClr val="000000"/>
+                        </a:buClr>
+                        <a:buSzPts val="1500"/>
+                        <a:buFont typeface="Arial"/>
+                        <a:buNone/>
+                      </a:pPr>
+                      <a:r>
+                        <a:rPr lang="en-US" sz="1500" u="none" strike="noStrike" cap="none" dirty="0" smtClean="0">
+                          <a:solidFill>
+                            <a:schemeClr val="dk1"/>
+                          </a:solidFill>
+                        </a:rPr>
+                        <a:t>4</a:t>
+                      </a:r>
+                      <a:endParaRPr sz="1500" u="none" strike="noStrike" cap="none" dirty="0">
+                        <a:solidFill>
+                          <a:schemeClr val="dk1"/>
+                        </a:solidFill>
+                      </a:endParaRPr>
+                    </a:p>
+                  </a:txBody>
+                  <a:tcPr marL="91450" marR="91450" marT="45725" marB="45725" anchor="ctr">
+                    <a:lnL w="12700" cap="flat" cmpd="sng">
+                      <a:solidFill>
+                        <a:schemeClr val="dk1"/>
+                      </a:solidFill>
+                      <a:prstDash val="solid"/>
+                      <a:round/>
+                      <a:headEnd type="none" w="sm" len="sm"/>
+                      <a:tailEnd type="none" w="sm" len="sm"/>
+                    </a:lnL>
+                    <a:lnR w="12700" cap="flat" cmpd="sng">
+                      <a:solidFill>
+                        <a:schemeClr val="dk1"/>
+                      </a:solidFill>
+                      <a:prstDash val="solid"/>
+                      <a:round/>
+                      <a:headEnd type="none" w="sm" len="sm"/>
+                      <a:tailEnd type="none" w="sm" len="sm"/>
+                    </a:lnR>
+                    <a:lnT w="12700" cap="flat" cmpd="sng">
+                      <a:solidFill>
+                        <a:schemeClr val="dk1"/>
+                      </a:solidFill>
+                      <a:prstDash val="solid"/>
+                      <a:round/>
+                      <a:headEnd type="none" w="sm" len="sm"/>
+                      <a:tailEnd type="none" w="sm" len="sm"/>
+                    </a:lnT>
+                    <a:lnB w="12700" cap="flat" cmpd="sng">
+                      <a:solidFill>
+                        <a:schemeClr val="dk1"/>
+                      </a:solidFill>
+                      <a:prstDash val="solid"/>
+                      <a:round/>
+                      <a:headEnd type="none" w="sm" len="sm"/>
+                      <a:tailEnd type="none" w="sm" len="sm"/>
+                    </a:lnB>
+                    <a:solidFill>
+                      <a:schemeClr val="lt1"/>
+                    </a:solidFill>
+                  </a:tcPr>
+                </a:tc>
+                <a:tc>
+                  <a:txBody>
+                    <a:bodyPr/>
+                    <a:lstStyle/>
+                    <a:p>
+                      <a:pPr marL="0" marR="0" lvl="0" indent="0" algn="l" rtl="0">
+                        <a:lnSpc>
+                          <a:spcPct val="100000"/>
+                        </a:lnSpc>
+                        <a:spcBef>
+                          <a:spcPts val="0"/>
+                        </a:spcBef>
+                        <a:spcAft>
+                          <a:spcPts val="0"/>
+                        </a:spcAft>
+                        <a:buClr>
+                          <a:srgbClr val="000000"/>
+                        </a:buClr>
+                        <a:buSzPts val="1500"/>
+                        <a:buFont typeface="Arial"/>
+                        <a:buNone/>
+                      </a:pPr>
+                      <a:r>
+                        <a:rPr lang="ko-KR" altLang="en-US" sz="1500" u="none" strike="noStrike" cap="none" dirty="0" smtClean="0">
+                          <a:solidFill>
+                            <a:schemeClr val="dk1"/>
+                          </a:solidFill>
+                        </a:rPr>
+                        <a:t>조회하기 누르면 해당 날짜</a:t>
+                      </a:r>
+                      <a:r>
+                        <a:rPr lang="ko-KR" altLang="en-US" sz="1500" u="none" strike="noStrike" cap="none" baseline="0" dirty="0" smtClean="0">
+                          <a:solidFill>
+                            <a:schemeClr val="dk1"/>
+                          </a:solidFill>
+                        </a:rPr>
+                        <a:t> 기준으로 조회</a:t>
+                      </a:r>
+                      <a:endParaRPr sz="1500" u="none" strike="noStrike" cap="none" dirty="0">
+                        <a:solidFill>
+                          <a:schemeClr val="dk1"/>
+                        </a:solidFill>
+                      </a:endParaRPr>
+                    </a:p>
+                  </a:txBody>
+                  <a:tcPr marL="91450" marR="91450" marT="45725" marB="45725">
+                    <a:lnL w="12700" cap="flat" cmpd="sng">
+                      <a:solidFill>
+                        <a:schemeClr val="dk1"/>
+                      </a:solidFill>
+                      <a:prstDash val="solid"/>
+                      <a:round/>
+                      <a:headEnd type="none" w="sm" len="sm"/>
+                      <a:tailEnd type="none" w="sm" len="sm"/>
+                    </a:lnL>
+                    <a:lnR w="12700" cap="flat" cmpd="sng">
+                      <a:solidFill>
+                        <a:schemeClr val="dk1"/>
+                      </a:solidFill>
+                      <a:prstDash val="solid"/>
+                      <a:round/>
+                      <a:headEnd type="none" w="sm" len="sm"/>
+                      <a:tailEnd type="none" w="sm" len="sm"/>
+                    </a:lnR>
+                    <a:lnT w="12700" cap="flat" cmpd="sng">
+                      <a:solidFill>
+                        <a:schemeClr val="dk1"/>
+                      </a:solidFill>
+                      <a:prstDash val="solid"/>
+                      <a:round/>
+                      <a:headEnd type="none" w="sm" len="sm"/>
+                      <a:tailEnd type="none" w="sm" len="sm"/>
+                    </a:lnT>
+                    <a:lnB w="12700" cap="flat" cmpd="sng">
+                      <a:solidFill>
+                        <a:schemeClr val="dk1"/>
+                      </a:solidFill>
+                      <a:prstDash val="solid"/>
+                      <a:round/>
+                      <a:headEnd type="none" w="sm" len="sm"/>
+                      <a:tailEnd type="none" w="sm" len="sm"/>
+                    </a:lnB>
+                    <a:solidFill>
+                      <a:schemeClr val="lt1"/>
+                    </a:solidFill>
+                  </a:tcPr>
+                </a:tc>
+              </a:tr>
+              <a:tr h="579152">
+                <a:tc>
+                  <a:txBody>
+                    <a:bodyPr/>
+                    <a:lstStyle/>
+                    <a:p>
+                      <a:pPr marL="0" marR="0" lvl="0" indent="0" algn="ctr" rtl="0">
+                        <a:lnSpc>
+                          <a:spcPct val="100000"/>
+                        </a:lnSpc>
+                        <a:spcBef>
+                          <a:spcPts val="0"/>
+                        </a:spcBef>
+                        <a:spcAft>
+                          <a:spcPts val="0"/>
+                        </a:spcAft>
+                        <a:buClr>
+                          <a:srgbClr val="000000"/>
+                        </a:buClr>
+                        <a:buSzPts val="1500"/>
+                        <a:buFont typeface="Arial"/>
+                        <a:buNone/>
+                      </a:pPr>
+                      <a:endParaRPr sz="1500" u="none" strike="noStrike" cap="none" dirty="0">
+                        <a:solidFill>
+                          <a:schemeClr val="dk1"/>
+                        </a:solidFill>
+                      </a:endParaRPr>
+                    </a:p>
+                  </a:txBody>
+                  <a:tcPr marL="91450" marR="91450" marT="45725" marB="45725" anchor="ctr">
+                    <a:lnL w="12700" cap="flat" cmpd="sng">
+                      <a:solidFill>
+                        <a:schemeClr val="dk1"/>
+                      </a:solidFill>
+                      <a:prstDash val="solid"/>
+                      <a:round/>
+                      <a:headEnd type="none" w="sm" len="sm"/>
+                      <a:tailEnd type="none" w="sm" len="sm"/>
+                    </a:lnL>
+                    <a:lnR w="12700" cap="flat" cmpd="sng">
+                      <a:solidFill>
+                        <a:schemeClr val="dk1"/>
+                      </a:solidFill>
+                      <a:prstDash val="solid"/>
+                      <a:round/>
+                      <a:headEnd type="none" w="sm" len="sm"/>
+                      <a:tailEnd type="none" w="sm" len="sm"/>
+                    </a:lnR>
+                    <a:lnT w="12700" cap="flat" cmpd="sng">
+                      <a:solidFill>
+                        <a:schemeClr val="dk1"/>
+                      </a:solidFill>
+                      <a:prstDash val="solid"/>
+                      <a:round/>
+                      <a:headEnd type="none" w="sm" len="sm"/>
+                      <a:tailEnd type="none" w="sm" len="sm"/>
+                    </a:lnT>
+                    <a:lnB w="12700" cap="flat" cmpd="sng">
+                      <a:solidFill>
+                        <a:schemeClr val="dk1"/>
+                      </a:solidFill>
+                      <a:prstDash val="solid"/>
+                      <a:round/>
+                      <a:headEnd type="none" w="sm" len="sm"/>
+                      <a:tailEnd type="none" w="sm" len="sm"/>
+                    </a:lnB>
+                    <a:solidFill>
+                      <a:schemeClr val="lt1"/>
+                    </a:solidFill>
+                  </a:tcPr>
+                </a:tc>
+                <a:tc>
+                  <a:txBody>
+                    <a:bodyPr/>
+                    <a:lstStyle/>
+                    <a:p>
+                      <a:pPr marL="0" marR="0" lvl="0" indent="0" algn="l" rtl="0">
+                        <a:lnSpc>
+                          <a:spcPct val="100000"/>
+                        </a:lnSpc>
+                        <a:spcBef>
+                          <a:spcPts val="0"/>
+                        </a:spcBef>
+                        <a:spcAft>
+                          <a:spcPts val="0"/>
+                        </a:spcAft>
+                        <a:buClr>
+                          <a:srgbClr val="000000"/>
+                        </a:buClr>
+                        <a:buSzPts val="1500"/>
+                        <a:buFont typeface="Arial"/>
+                        <a:buNone/>
+                      </a:pPr>
+                      <a:endParaRPr sz="1500" u="none" strike="noStrike" cap="none" dirty="0">
+                        <a:solidFill>
+                          <a:schemeClr val="dk1"/>
+                        </a:solidFill>
+                      </a:endParaRPr>
+                    </a:p>
+                  </a:txBody>
+                  <a:tcPr marL="91450" marR="91450" marT="45725" marB="45725">
+                    <a:lnL w="12700" cap="flat" cmpd="sng">
+                      <a:solidFill>
+                        <a:schemeClr val="dk1"/>
+                      </a:solidFill>
+                      <a:prstDash val="solid"/>
+                      <a:round/>
+                      <a:headEnd type="none" w="sm" len="sm"/>
+                      <a:tailEnd type="none" w="sm" len="sm"/>
+                    </a:lnL>
+                    <a:lnR w="12700" cap="flat" cmpd="sng">
+                      <a:solidFill>
+                        <a:schemeClr val="dk1"/>
+                      </a:solidFill>
+                      <a:prstDash val="solid"/>
+                      <a:round/>
+                      <a:headEnd type="none" w="sm" len="sm"/>
+                      <a:tailEnd type="none" w="sm" len="sm"/>
+                    </a:lnR>
+                    <a:lnT w="12700" cap="flat" cmpd="sng">
+                      <a:solidFill>
+                        <a:schemeClr val="dk1"/>
+                      </a:solidFill>
+                      <a:prstDash val="solid"/>
+                      <a:round/>
+                      <a:headEnd type="none" w="sm" len="sm"/>
+                      <a:tailEnd type="none" w="sm" len="sm"/>
+                    </a:lnT>
+                    <a:lnB w="12700" cap="flat" cmpd="sng">
+                      <a:solidFill>
+                        <a:schemeClr val="dk1"/>
+                      </a:solidFill>
+                      <a:prstDash val="solid"/>
+                      <a:round/>
+                      <a:headEnd type="none" w="sm" len="sm"/>
+                      <a:tailEnd type="none" w="sm" len="sm"/>
+                    </a:lnB>
+                    <a:solidFill>
+                      <a:schemeClr val="lt1"/>
+                    </a:solidFill>
+                  </a:tcPr>
+                </a:tc>
+              </a:tr>
+              <a:tr h="505572">
+                <a:tc>
+                  <a:txBody>
+                    <a:bodyPr/>
+                    <a:lstStyle/>
+                    <a:p>
+                      <a:pPr marL="0" marR="0" lvl="0" indent="0" algn="ctr" rtl="0">
+                        <a:lnSpc>
+                          <a:spcPct val="100000"/>
+                        </a:lnSpc>
+                        <a:spcBef>
+                          <a:spcPts val="0"/>
+                        </a:spcBef>
+                        <a:spcAft>
+                          <a:spcPts val="0"/>
+                        </a:spcAft>
+                        <a:buNone/>
+                      </a:pPr>
+                      <a:endParaRPr sz="1500" dirty="0"/>
+                    </a:p>
+                  </a:txBody>
+                  <a:tcPr marL="91450" marR="91450" marT="45725" marB="45725" anchor="ctr">
+                    <a:lnL w="12700" cap="flat" cmpd="sng">
+                      <a:solidFill>
+                        <a:schemeClr val="dk1"/>
+                      </a:solidFill>
+                      <a:prstDash val="solid"/>
+                      <a:round/>
+                      <a:headEnd type="none" w="sm" len="sm"/>
+                      <a:tailEnd type="none" w="sm" len="sm"/>
+                    </a:lnL>
+                    <a:lnR w="12700" cap="flat" cmpd="sng">
+                      <a:solidFill>
+                        <a:schemeClr val="dk1"/>
+                      </a:solidFill>
+                      <a:prstDash val="solid"/>
+                      <a:round/>
+                      <a:headEnd type="none" w="sm" len="sm"/>
+                      <a:tailEnd type="none" w="sm" len="sm"/>
+                    </a:lnR>
+                    <a:lnT w="12700" cap="flat" cmpd="sng">
+                      <a:solidFill>
+                        <a:schemeClr val="dk1"/>
+                      </a:solidFill>
+                      <a:prstDash val="solid"/>
+                      <a:round/>
+                      <a:headEnd type="none" w="sm" len="sm"/>
+                      <a:tailEnd type="none" w="sm" len="sm"/>
+                    </a:lnT>
+                    <a:lnB w="12700" cap="flat" cmpd="sng">
+                      <a:solidFill>
+                        <a:schemeClr val="dk1"/>
+                      </a:solidFill>
+                      <a:prstDash val="solid"/>
+                      <a:round/>
+                      <a:headEnd type="none" w="sm" len="sm"/>
+                      <a:tailEnd type="none" w="sm" len="sm"/>
+                    </a:lnB>
+                    <a:solidFill>
+                      <a:schemeClr val="lt1"/>
+                    </a:solidFill>
+                  </a:tcPr>
+                </a:tc>
+                <a:tc>
+                  <a:txBody>
+                    <a:bodyPr/>
+                    <a:lstStyle/>
+                    <a:p>
+                      <a:pPr marL="0" marR="0" lvl="0" indent="0" algn="l" rtl="0">
+                        <a:lnSpc>
+                          <a:spcPct val="100000"/>
+                        </a:lnSpc>
+                        <a:spcBef>
+                          <a:spcPts val="0"/>
+                        </a:spcBef>
+                        <a:spcAft>
+                          <a:spcPts val="0"/>
+                        </a:spcAft>
+                        <a:buNone/>
+                      </a:pPr>
+                      <a:endParaRPr sz="1500" dirty="0"/>
+                    </a:p>
+                  </a:txBody>
+                  <a:tcPr marL="91450" marR="91450" marT="45725" marB="45725">
+                    <a:lnL w="12700" cap="flat" cmpd="sng">
+                      <a:solidFill>
+                        <a:schemeClr val="dk1"/>
+                      </a:solidFill>
+                      <a:prstDash val="solid"/>
+                      <a:round/>
+                      <a:headEnd type="none" w="sm" len="sm"/>
+                      <a:tailEnd type="none" w="sm" len="sm"/>
+                    </a:lnL>
+                    <a:lnR w="12700" cap="flat" cmpd="sng">
+                      <a:solidFill>
+                        <a:schemeClr val="dk1"/>
+                      </a:solidFill>
+                      <a:prstDash val="solid"/>
+                      <a:round/>
+                      <a:headEnd type="none" w="sm" len="sm"/>
+                      <a:tailEnd type="none" w="sm" len="sm"/>
+                    </a:lnR>
+                    <a:lnT w="12700" cap="flat" cmpd="sng">
+                      <a:solidFill>
+                        <a:schemeClr val="dk1"/>
+                      </a:solidFill>
+                      <a:prstDash val="solid"/>
+                      <a:round/>
+                      <a:headEnd type="none" w="sm" len="sm"/>
+                      <a:tailEnd type="none" w="sm" len="sm"/>
+                    </a:lnT>
+                    <a:lnB w="12700" cap="flat" cmpd="sng">
+                      <a:solidFill>
+                        <a:schemeClr val="dk1"/>
+                      </a:solidFill>
+                      <a:prstDash val="solid"/>
+                      <a:round/>
+                      <a:headEnd type="none" w="sm" len="sm"/>
+                      <a:tailEnd type="none" w="sm" len="sm"/>
+                    </a:lnB>
+                    <a:solidFill>
+                      <a:schemeClr val="lt1"/>
+                    </a:solidFill>
+                  </a:tcPr>
+                </a:tc>
+              </a:tr>
+              <a:tr h="802274">
+                <a:tc>
+                  <a:txBody>
+                    <a:bodyPr/>
+                    <a:lstStyle/>
+                    <a:p>
+                      <a:pPr marL="0" marR="0" lvl="0" indent="0" algn="ctr" rtl="0">
+                        <a:lnSpc>
+                          <a:spcPct val="100000"/>
+                        </a:lnSpc>
+                        <a:spcBef>
+                          <a:spcPts val="0"/>
+                        </a:spcBef>
+                        <a:spcAft>
+                          <a:spcPts val="0"/>
+                        </a:spcAft>
+                        <a:buNone/>
+                      </a:pPr>
+                      <a:endParaRPr sz="1500" dirty="0"/>
+                    </a:p>
+                  </a:txBody>
+                  <a:tcPr marL="91450" marR="91450" marT="45725" marB="45725" anchor="ctr">
+                    <a:lnL w="12700" cap="flat" cmpd="sng">
+                      <a:solidFill>
+                        <a:schemeClr val="dk1"/>
+                      </a:solidFill>
+                      <a:prstDash val="solid"/>
+                      <a:round/>
+                      <a:headEnd type="none" w="sm" len="sm"/>
+                      <a:tailEnd type="none" w="sm" len="sm"/>
+                    </a:lnL>
+                    <a:lnR w="12700" cap="flat" cmpd="sng">
+                      <a:solidFill>
+                        <a:schemeClr val="dk1"/>
+                      </a:solidFill>
+                      <a:prstDash val="solid"/>
+                      <a:round/>
+                      <a:headEnd type="none" w="sm" len="sm"/>
+                      <a:tailEnd type="none" w="sm" len="sm"/>
+                    </a:lnR>
+                    <a:lnT w="12700" cap="flat" cmpd="sng">
+                      <a:solidFill>
+                        <a:schemeClr val="dk1"/>
+                      </a:solidFill>
+                      <a:prstDash val="solid"/>
+                      <a:round/>
+                      <a:headEnd type="none" w="sm" len="sm"/>
+                      <a:tailEnd type="none" w="sm" len="sm"/>
+                    </a:lnT>
+                    <a:lnB w="12700" cap="flat" cmpd="sng">
+                      <a:solidFill>
+                        <a:schemeClr val="dk1"/>
+                      </a:solidFill>
+                      <a:prstDash val="solid"/>
+                      <a:round/>
+                      <a:headEnd type="none" w="sm" len="sm"/>
+                      <a:tailEnd type="none" w="sm" len="sm"/>
+                    </a:lnB>
+                    <a:solidFill>
+                      <a:schemeClr val="lt1"/>
+                    </a:solidFill>
+                  </a:tcPr>
+                </a:tc>
+                <a:tc>
+                  <a:txBody>
+                    <a:bodyPr/>
+                    <a:lstStyle/>
+                    <a:p>
+                      <a:pPr marL="0" marR="0" lvl="0" indent="0" algn="l" rtl="0">
+                        <a:lnSpc>
+                          <a:spcPct val="100000"/>
+                        </a:lnSpc>
+                        <a:spcBef>
+                          <a:spcPts val="0"/>
+                        </a:spcBef>
+                        <a:spcAft>
+                          <a:spcPts val="0"/>
+                        </a:spcAft>
+                        <a:buNone/>
+                      </a:pPr>
+                      <a:endParaRPr sz="1500" dirty="0"/>
+                    </a:p>
+                  </a:txBody>
+                  <a:tcPr marL="91450" marR="91450" marT="45725" marB="45725">
+                    <a:lnL w="12700" cap="flat" cmpd="sng">
+                      <a:solidFill>
+                        <a:schemeClr val="dk1"/>
+                      </a:solidFill>
+                      <a:prstDash val="solid"/>
+                      <a:round/>
+                      <a:headEnd type="none" w="sm" len="sm"/>
+                      <a:tailEnd type="none" w="sm" len="sm"/>
+                    </a:lnL>
+                    <a:lnR w="12700" cap="flat" cmpd="sng">
+                      <a:solidFill>
+                        <a:schemeClr val="dk1"/>
+                      </a:solidFill>
+                      <a:prstDash val="solid"/>
+                      <a:round/>
+                      <a:headEnd type="none" w="sm" len="sm"/>
+                      <a:tailEnd type="none" w="sm" len="sm"/>
+                    </a:lnR>
+                    <a:lnT w="12700" cap="flat" cmpd="sng">
+                      <a:solidFill>
+                        <a:schemeClr val="dk1"/>
+                      </a:solidFill>
+                      <a:prstDash val="solid"/>
+                      <a:round/>
+                      <a:headEnd type="none" w="sm" len="sm"/>
+                      <a:tailEnd type="none" w="sm" len="sm"/>
+                    </a:lnT>
+                    <a:lnB w="12700" cap="flat" cmpd="sng">
+                      <a:solidFill>
+                        <a:schemeClr val="dk1"/>
+                      </a:solidFill>
+                      <a:prstDash val="solid"/>
+                      <a:round/>
+                      <a:headEnd type="none" w="sm" len="sm"/>
+                      <a:tailEnd type="none" w="sm" len="sm"/>
+                    </a:lnB>
+                    <a:solidFill>
+                      <a:schemeClr val="lt1"/>
+                    </a:solidFill>
+                  </a:tcPr>
+                </a:tc>
+              </a:tr>
+            </a:tbl>
+          </a:graphicData>
+        </a:graphic>
+      </p:graphicFrame>
+      <p:sp>
+        <p:nvSpPr>
+          <p:cNvPr id="173" name="Google Shape;173;g7c553259d1_0_81"/>
+          <p:cNvSpPr/>
+          <p:nvPr/>
+        </p:nvSpPr>
+        <p:spPr>
+          <a:xfrm>
+            <a:off x="4672970" y="783913"/>
+            <a:ext cx="302700" cy="324600"/>
+          </a:xfrm>
+          <a:prstGeom prst="rect">
+            <a:avLst/>
+          </a:prstGeom>
+          <a:solidFill>
+            <a:srgbClr val="FF0000"/>
+          </a:solidFill>
+          <a:ln>
+            <a:noFill/>
+          </a:ln>
+        </p:spPr>
+        <p:txBody>
+          <a:bodyPr spcFirstLastPara="1" wrap="square" lIns="91425" tIns="45700" rIns="91425" bIns="45700" anchor="ctr" anchorCtr="0">
+            <a:noAutofit/>
+          </a:bodyPr>
+          <a:lstStyle/>
+          <a:p>
+            <a:pPr marL="0" marR="0" lvl="0" indent="0" algn="ctr" rtl="0">
+              <a:lnSpc>
+                <a:spcPct val="100000"/>
+              </a:lnSpc>
+              <a:spcBef>
+                <a:spcPts val="0"/>
+              </a:spcBef>
+              <a:spcAft>
+                <a:spcPts val="0"/>
+              </a:spcAft>
+              <a:buClr>
+                <a:srgbClr val="000000"/>
+              </a:buClr>
+              <a:buSzPts val="1800"/>
+              <a:buFont typeface="Arial"/>
+              <a:buNone/>
+            </a:pPr>
+            <a:r>
+              <a:rPr lang="ko-KR" sz="1800" b="1" i="0" u="none" strike="noStrike" cap="none" dirty="0">
+                <a:solidFill>
+                  <a:schemeClr val="dk1"/>
+                </a:solidFill>
+                <a:latin typeface="Malgun Gothic"/>
+                <a:ea typeface="Malgun Gothic"/>
+                <a:cs typeface="Malgun Gothic"/>
+                <a:sym typeface="Malgun Gothic"/>
+              </a:rPr>
+              <a:t>1</a:t>
+            </a:r>
+            <a:endParaRPr sz="1800" b="1" i="0" u="none" strike="noStrike" cap="none" dirty="0">
+              <a:solidFill>
+                <a:schemeClr val="dk1"/>
+              </a:solidFill>
+              <a:latin typeface="Malgun Gothic"/>
+              <a:ea typeface="Malgun Gothic"/>
+              <a:cs typeface="Malgun Gothic"/>
+              <a:sym typeface="Malgun Gothic"/>
+            </a:endParaRPr>
+          </a:p>
+        </p:txBody>
+      </p:sp>
+      <p:sp>
+        <p:nvSpPr>
+          <p:cNvPr id="174" name="Google Shape;174;g7c553259d1_0_81"/>
+          <p:cNvSpPr/>
+          <p:nvPr/>
+        </p:nvSpPr>
+        <p:spPr>
+          <a:xfrm>
+            <a:off x="5137963" y="783913"/>
+            <a:ext cx="302700" cy="324600"/>
+          </a:xfrm>
+          <a:prstGeom prst="rect">
+            <a:avLst/>
+          </a:prstGeom>
+          <a:solidFill>
+            <a:srgbClr val="FF0000"/>
+          </a:solidFill>
+          <a:ln>
+            <a:noFill/>
+          </a:ln>
+        </p:spPr>
+        <p:txBody>
+          <a:bodyPr spcFirstLastPara="1" wrap="square" lIns="91425" tIns="45700" rIns="91425" bIns="45700" anchor="ctr" anchorCtr="0">
+            <a:noAutofit/>
+          </a:bodyPr>
+          <a:lstStyle/>
+          <a:p>
+            <a:pPr marL="0" marR="0" lvl="0" indent="0" algn="ctr" rtl="0">
+              <a:lnSpc>
+                <a:spcPct val="100000"/>
+              </a:lnSpc>
+              <a:spcBef>
+                <a:spcPts val="0"/>
+              </a:spcBef>
+              <a:spcAft>
+                <a:spcPts val="0"/>
+              </a:spcAft>
+              <a:buClr>
+                <a:srgbClr val="000000"/>
+              </a:buClr>
+              <a:buSzPts val="1800"/>
+              <a:buFont typeface="Arial"/>
+              <a:buNone/>
+            </a:pPr>
+            <a:r>
+              <a:rPr lang="ko-KR" sz="1800" b="1" i="0" u="none" strike="noStrike" cap="none" dirty="0">
+                <a:solidFill>
+                  <a:schemeClr val="dk1"/>
+                </a:solidFill>
+                <a:latin typeface="Malgun Gothic"/>
+                <a:ea typeface="Malgun Gothic"/>
+                <a:cs typeface="Malgun Gothic"/>
+                <a:sym typeface="Malgun Gothic"/>
+              </a:rPr>
+              <a:t>2</a:t>
+            </a:r>
+            <a:endParaRPr sz="1800" b="1" i="0" u="none" strike="noStrike" cap="none" dirty="0">
+              <a:solidFill>
+                <a:schemeClr val="dk1"/>
+              </a:solidFill>
+              <a:latin typeface="Malgun Gothic"/>
+              <a:ea typeface="Malgun Gothic"/>
+              <a:cs typeface="Malgun Gothic"/>
+              <a:sym typeface="Malgun Gothic"/>
+            </a:endParaRPr>
+          </a:p>
+        </p:txBody>
+      </p:sp>
+      <p:sp>
+        <p:nvSpPr>
+          <p:cNvPr id="196" name="Google Shape;196;g7c553259d1_0_81"/>
+          <p:cNvSpPr/>
+          <p:nvPr/>
+        </p:nvSpPr>
+        <p:spPr>
+          <a:xfrm>
+            <a:off x="5602956" y="783913"/>
+            <a:ext cx="302700" cy="324600"/>
+          </a:xfrm>
+          <a:prstGeom prst="rect">
+            <a:avLst/>
+          </a:prstGeom>
+          <a:solidFill>
+            <a:srgbClr val="FF0000"/>
+          </a:solidFill>
+          <a:ln>
+            <a:noFill/>
+          </a:ln>
+        </p:spPr>
+        <p:txBody>
+          <a:bodyPr spcFirstLastPara="1" wrap="square" lIns="91425" tIns="45700" rIns="91425" bIns="45700" anchor="ctr" anchorCtr="0">
+            <a:noAutofit/>
+          </a:bodyPr>
+          <a:lstStyle/>
+          <a:p>
+            <a:pPr marL="0" marR="0" lvl="0" indent="0" algn="ctr" rtl="0">
+              <a:lnSpc>
+                <a:spcPct val="100000"/>
+              </a:lnSpc>
+              <a:spcBef>
+                <a:spcPts val="0"/>
+              </a:spcBef>
+              <a:spcAft>
+                <a:spcPts val="0"/>
+              </a:spcAft>
+              <a:buClr>
+                <a:srgbClr val="000000"/>
+              </a:buClr>
+              <a:buSzPts val="1800"/>
+              <a:buFont typeface="Arial"/>
+              <a:buNone/>
+            </a:pPr>
+            <a:r>
+              <a:rPr lang="ko-KR" sz="1800" b="1" i="0" u="none" strike="noStrike" cap="none" dirty="0">
+                <a:solidFill>
+                  <a:schemeClr val="dk1"/>
+                </a:solidFill>
+                <a:latin typeface="Malgun Gothic"/>
+                <a:ea typeface="Malgun Gothic"/>
+                <a:cs typeface="Malgun Gothic"/>
+                <a:sym typeface="Malgun Gothic"/>
+              </a:rPr>
+              <a:t>3</a:t>
+            </a:r>
+            <a:endParaRPr sz="1800" b="1" i="0" u="none" strike="noStrike" cap="none" dirty="0">
+              <a:solidFill>
+                <a:schemeClr val="dk1"/>
+              </a:solidFill>
+              <a:latin typeface="Malgun Gothic"/>
+              <a:ea typeface="Malgun Gothic"/>
+              <a:cs typeface="Malgun Gothic"/>
+              <a:sym typeface="Malgun Gothic"/>
+            </a:endParaRPr>
+          </a:p>
+        </p:txBody>
+      </p:sp>
+      <p:sp>
+        <p:nvSpPr>
+          <p:cNvPr id="204" name="Google Shape;204;g7c553259d1_0_81"/>
+          <p:cNvSpPr/>
+          <p:nvPr/>
+        </p:nvSpPr>
+        <p:spPr>
+          <a:xfrm>
+            <a:off x="6997933" y="783913"/>
+            <a:ext cx="302700" cy="324600"/>
+          </a:xfrm>
+          <a:prstGeom prst="rect">
+            <a:avLst/>
+          </a:prstGeom>
+          <a:solidFill>
+            <a:srgbClr val="FF0000"/>
+          </a:solidFill>
+          <a:ln>
+            <a:noFill/>
+          </a:ln>
+        </p:spPr>
+        <p:txBody>
+          <a:bodyPr spcFirstLastPara="1" wrap="square" lIns="91425" tIns="45700" rIns="91425" bIns="45700" anchor="ctr" anchorCtr="0">
+            <a:noAutofit/>
+          </a:bodyPr>
+          <a:lstStyle/>
+          <a:p>
+            <a:pPr marL="0" marR="0" lvl="0" indent="0" algn="ctr" rtl="0">
+              <a:lnSpc>
+                <a:spcPct val="100000"/>
+              </a:lnSpc>
+              <a:spcBef>
+                <a:spcPts val="0"/>
+              </a:spcBef>
+              <a:spcAft>
+                <a:spcPts val="0"/>
+              </a:spcAft>
+              <a:buClr>
+                <a:srgbClr val="000000"/>
+              </a:buClr>
+              <a:buSzPts val="1800"/>
+              <a:buFont typeface="Arial"/>
+              <a:buNone/>
+            </a:pPr>
+            <a:r>
+              <a:rPr lang="ko-KR" sz="1800" b="1" i="0" u="none" strike="noStrike" cap="none">
+                <a:solidFill>
+                  <a:schemeClr val="dk1"/>
+                </a:solidFill>
+                <a:latin typeface="Malgun Gothic"/>
+                <a:ea typeface="Malgun Gothic"/>
+                <a:cs typeface="Malgun Gothic"/>
+                <a:sym typeface="Malgun Gothic"/>
+              </a:rPr>
+              <a:t>6</a:t>
+            </a:r>
+            <a:endParaRPr sz="1800" b="1" i="0" u="none" strike="noStrike" cap="none">
+              <a:solidFill>
+                <a:schemeClr val="dk1"/>
+              </a:solidFill>
+              <a:latin typeface="Malgun Gothic"/>
+              <a:ea typeface="Malgun Gothic"/>
+              <a:cs typeface="Malgun Gothic"/>
+              <a:sym typeface="Malgun Gothic"/>
+            </a:endParaRPr>
+          </a:p>
+        </p:txBody>
+      </p:sp>
+      <p:sp>
+        <p:nvSpPr>
+          <p:cNvPr id="207" name="Google Shape;207;g7c553259d1_0_81"/>
+          <p:cNvSpPr/>
+          <p:nvPr/>
+        </p:nvSpPr>
+        <p:spPr>
+          <a:xfrm>
+            <a:off x="6067949" y="783913"/>
+            <a:ext cx="302700" cy="324600"/>
+          </a:xfrm>
+          <a:prstGeom prst="rect">
+            <a:avLst/>
+          </a:prstGeom>
+          <a:solidFill>
+            <a:srgbClr val="FF0000"/>
+          </a:solidFill>
+          <a:ln>
+            <a:noFill/>
+          </a:ln>
+        </p:spPr>
+        <p:txBody>
+          <a:bodyPr spcFirstLastPara="1" wrap="square" lIns="91425" tIns="45700" rIns="91425" bIns="45700" anchor="ctr" anchorCtr="0">
+            <a:noAutofit/>
+          </a:bodyPr>
+          <a:lstStyle/>
+          <a:p>
+            <a:pPr marL="0" marR="0" lvl="0" indent="0" algn="ctr" rtl="0">
+              <a:lnSpc>
+                <a:spcPct val="100000"/>
+              </a:lnSpc>
+              <a:spcBef>
+                <a:spcPts val="0"/>
+              </a:spcBef>
+              <a:spcAft>
+                <a:spcPts val="0"/>
+              </a:spcAft>
+              <a:buClr>
+                <a:srgbClr val="000000"/>
+              </a:buClr>
+              <a:buSzPts val="1800"/>
+              <a:buFont typeface="Arial"/>
+              <a:buNone/>
+            </a:pPr>
+            <a:r>
+              <a:rPr lang="ko-KR" sz="1800" b="1" i="0" u="none" strike="noStrike" cap="none" dirty="0">
+                <a:solidFill>
+                  <a:schemeClr val="dk1"/>
+                </a:solidFill>
+                <a:latin typeface="Malgun Gothic"/>
+                <a:ea typeface="Malgun Gothic"/>
+                <a:cs typeface="Malgun Gothic"/>
+                <a:sym typeface="Malgun Gothic"/>
+              </a:rPr>
+              <a:t>4</a:t>
+            </a:r>
+            <a:endParaRPr sz="1800" b="1" i="0" u="none" strike="noStrike" cap="none" dirty="0">
+              <a:solidFill>
+                <a:schemeClr val="dk1"/>
+              </a:solidFill>
+              <a:latin typeface="Malgun Gothic"/>
+              <a:ea typeface="Malgun Gothic"/>
+              <a:cs typeface="Malgun Gothic"/>
+              <a:sym typeface="Malgun Gothic"/>
+            </a:endParaRPr>
+          </a:p>
+        </p:txBody>
+      </p:sp>
+      <p:sp>
+        <p:nvSpPr>
+          <p:cNvPr id="208" name="Google Shape;208;g7c553259d1_0_81"/>
+          <p:cNvSpPr/>
+          <p:nvPr/>
+        </p:nvSpPr>
+        <p:spPr>
+          <a:xfrm>
+            <a:off x="6532942" y="783913"/>
+            <a:ext cx="302700" cy="324600"/>
+          </a:xfrm>
+          <a:prstGeom prst="rect">
+            <a:avLst/>
+          </a:prstGeom>
+          <a:solidFill>
+            <a:srgbClr val="FF0000"/>
+          </a:solidFill>
+          <a:ln>
+            <a:noFill/>
+          </a:ln>
+        </p:spPr>
+        <p:txBody>
+          <a:bodyPr spcFirstLastPara="1" wrap="square" lIns="91425" tIns="45700" rIns="91425" bIns="45700" anchor="ctr" anchorCtr="0">
+            <a:noAutofit/>
+          </a:bodyPr>
+          <a:lstStyle/>
+          <a:p>
+            <a:pPr marL="0" marR="0" lvl="0" indent="0" algn="ctr" rtl="0">
+              <a:lnSpc>
+                <a:spcPct val="100000"/>
+              </a:lnSpc>
+              <a:spcBef>
+                <a:spcPts val="0"/>
+              </a:spcBef>
+              <a:spcAft>
+                <a:spcPts val="0"/>
+              </a:spcAft>
+              <a:buClr>
+                <a:srgbClr val="000000"/>
+              </a:buClr>
+              <a:buSzPts val="1800"/>
+              <a:buFont typeface="Arial"/>
+              <a:buNone/>
+            </a:pPr>
+            <a:r>
+              <a:rPr lang="ko-KR" sz="1800" b="1" i="0" u="none" strike="noStrike" cap="none">
+                <a:solidFill>
+                  <a:schemeClr val="dk1"/>
+                </a:solidFill>
+                <a:latin typeface="Malgun Gothic"/>
+                <a:ea typeface="Malgun Gothic"/>
+                <a:cs typeface="Malgun Gothic"/>
+                <a:sym typeface="Malgun Gothic"/>
+              </a:rPr>
+              <a:t>5</a:t>
+            </a:r>
+            <a:endParaRPr sz="1800" b="1" i="0" u="none" strike="noStrike" cap="none">
+              <a:solidFill>
+                <a:schemeClr val="dk1"/>
+              </a:solidFill>
+              <a:latin typeface="Malgun Gothic"/>
+              <a:ea typeface="Malgun Gothic"/>
+              <a:cs typeface="Malgun Gothic"/>
+              <a:sym typeface="Malgun Gothic"/>
+            </a:endParaRPr>
+          </a:p>
+        </p:txBody>
+      </p:sp>
+      <p:pic>
+        <p:nvPicPr>
+          <p:cNvPr id="5122" name="Picture 2"/>
+          <p:cNvPicPr>
+            <a:picLocks noChangeAspect="1" noChangeArrowheads="1"/>
+          </p:cNvPicPr>
+          <p:nvPr/>
+        </p:nvPicPr>
+        <p:blipFill>
+          <a:blip r:embed="rId3" cstate="print"/>
+          <a:srcRect/>
+          <a:stretch>
+            <a:fillRect/>
+          </a:stretch>
+        </p:blipFill>
+        <p:spPr bwMode="auto">
+          <a:xfrm>
+            <a:off x="2648252" y="1474574"/>
+            <a:ext cx="3402439" cy="4915543"/>
+          </a:xfrm>
+          <a:prstGeom prst="rect">
+            <a:avLst/>
+          </a:prstGeom>
+          <a:noFill/>
+          <a:ln w="9525">
+            <a:noFill/>
+            <a:miter lim="800000"/>
+            <a:headEnd/>
+            <a:tailEnd/>
+          </a:ln>
+        </p:spPr>
+      </p:pic>
+    </p:spTree>
+    <p:extLst>
+      <p:ext uri="{BB962C8B-B14F-4D97-AF65-F5344CB8AC3E}">
+        <p14:creationId xmlns:p14="http://schemas.microsoft.com/office/powerpoint/2010/main" val="1316180444"/>
+      </p:ext>
+    </p:extLst>
+  </p:cSld>
+  <p:clrMapOvr>
+    <a:masterClrMapping/>
+  </p:clrMapOvr>
+  <p:timing>
+    <p:tnLst>
+      <p:par>
+        <p:cTn id="1" dur="indefinite" restart="never" nodeType="tmRoot"/>
+      </p:par>
+    </p:tnLst>
+  </p:timing>
+</p:sld>
+</file>
+
+<file path=ppt/slides/slide22.xml><?xml version="1.0" encoding="utf-8"?>
 <p:sld xmlns:a="http://schemas.openxmlformats.org/drawingml/2006/main" xmlns:r="http://schemas.openxmlformats.org/officeDocument/2006/relationships" xmlns:p="http://schemas.openxmlformats.org/presentationml/2006/main">
   <p:cSld>
     <p:spTree>
